--- a/毕设/开题报告/开题报告-龙雨泽(最终版）(1).pptx
+++ b/毕设/开题报告/开题报告-龙雨泽(最终版）(1).pptx
@@ -123,7 +123,7 @@
   </p:defaultTextStyle>
   <p:extLst>
     <p:ext uri="{EFAFB233-063F-42B5-8137-9DF3F51BA10A}">
-      <p15:sldGuideLst xmlns="" xmlns:p15="http://schemas.microsoft.com/office/powerpoint/2012/main">
+      <p15:sldGuideLst xmlns:p15="http://schemas.microsoft.com/office/powerpoint/2012/main">
         <p15:guide id="1" orient="horz" pos="2160">
           <p15:clr>
             <a:srgbClr val="A4A3A4"/>
@@ -223,7 +223,7 @@
             <a:fld id="{A74AB3E5-B7FD-439F-B1DF-AD29C9C96530}" type="datetimeFigureOut">
               <a:rPr lang="zh-CN" altLang="en-US" smtClean="0"/>
               <a:pPr/>
-              <a:t>2015/9/29</a:t>
+              <a:t>2019/9/18</a:t>
             </a:fld>
             <a:endParaRPr lang="zh-CN" altLang="en-US"/>
           </a:p>
@@ -289,38 +289,37 @@
           <a:p>
             <a:pPr lvl="0"/>
             <a:r>
-              <a:rPr lang="zh-CN" altLang="en-US" smtClean="0"/>
+              <a:rPr lang="zh-CN" altLang="en-US"/>
               <a:t>单击此处编辑母版文本样式</a:t>
             </a:r>
           </a:p>
           <a:p>
             <a:pPr lvl="1"/>
             <a:r>
-              <a:rPr lang="zh-CN" altLang="en-US" smtClean="0"/>
+              <a:rPr lang="zh-CN" altLang="en-US"/>
               <a:t>第二级</a:t>
             </a:r>
           </a:p>
           <a:p>
             <a:pPr lvl="2"/>
             <a:r>
-              <a:rPr lang="zh-CN" altLang="en-US" smtClean="0"/>
+              <a:rPr lang="zh-CN" altLang="en-US"/>
               <a:t>第三级</a:t>
             </a:r>
           </a:p>
           <a:p>
             <a:pPr lvl="3"/>
             <a:r>
-              <a:rPr lang="zh-CN" altLang="en-US" smtClean="0"/>
+              <a:rPr lang="zh-CN" altLang="en-US"/>
               <a:t>第四级</a:t>
             </a:r>
           </a:p>
           <a:p>
             <a:pPr lvl="4"/>
             <a:r>
-              <a:rPr lang="zh-CN" altLang="en-US" smtClean="0"/>
+              <a:rPr lang="zh-CN" altLang="en-US"/>
               <a:t>第五级</a:t>
             </a:r>
-            <a:endParaRPr lang="zh-CN" altLang="en-US"/>
           </a:p>
         </p:txBody>
       </p:sp>
@@ -394,7 +393,7 @@
     </p:spTree>
     <p:extLst>
       <p:ext uri="{BB962C8B-B14F-4D97-AF65-F5344CB8AC3E}">
-        <p14:creationId xmlns="" xmlns:p14="http://schemas.microsoft.com/office/powerpoint/2010/main" val="870384182"/>
+        <p14:creationId xmlns:p14="http://schemas.microsoft.com/office/powerpoint/2010/main" val="870384182"/>
       </p:ext>
     </p:extLst>
   </p:cSld>
@@ -787,7 +786,7 @@
           <a:lstStyle/>
           <a:p>
             <a:r>
-              <a:rPr lang="en-US" sz="1200" kern="1200" dirty="0" smtClean="0">
+              <a:rPr lang="en-US" sz="1200" kern="1200" dirty="0">
                 <a:solidFill>
                   <a:schemeClr val="tx1"/>
                 </a:solidFill>
@@ -798,7 +797,7 @@
               <a:t>1</a:t>
             </a:r>
             <a:r>
-              <a:rPr lang="zh-CN" altLang="en-US" sz="1200" kern="1200" dirty="0" smtClean="0">
+              <a:rPr lang="zh-CN" altLang="en-US" sz="1200" kern="1200" dirty="0">
                 <a:solidFill>
                   <a:schemeClr val="tx1"/>
                 </a:solidFill>
@@ -811,7 +810,7 @@
           </a:p>
           <a:p>
             <a:r>
-              <a:rPr lang="en-US" sz="1200" kern="1200" dirty="0" smtClean="0">
+              <a:rPr lang="en-US" sz="1200" kern="1200" dirty="0">
                 <a:solidFill>
                   <a:schemeClr val="tx1"/>
                 </a:solidFill>
@@ -822,7 +821,7 @@
               <a:t>2PLC</a:t>
             </a:r>
             <a:r>
-              <a:rPr lang="zh-CN" altLang="en-US" sz="1200" kern="1200" dirty="0" smtClean="0">
+              <a:rPr lang="zh-CN" altLang="en-US" sz="1200" kern="1200" dirty="0">
                 <a:solidFill>
                   <a:schemeClr val="tx1"/>
                 </a:solidFill>
@@ -833,7 +832,7 @@
               <a:t>控制程序的编写，</a:t>
             </a:r>
             <a:r>
-              <a:rPr lang="en-US" sz="1200" kern="1200" dirty="0" smtClean="0">
+              <a:rPr lang="en-US" sz="1200" kern="1200" dirty="0">
                 <a:solidFill>
                   <a:schemeClr val="tx1"/>
                 </a:solidFill>
@@ -844,7 +843,7 @@
               <a:t>PLC</a:t>
             </a:r>
             <a:r>
-              <a:rPr lang="zh-CN" altLang="en-US" sz="1200" kern="1200" dirty="0" smtClean="0">
+              <a:rPr lang="zh-CN" altLang="en-US" sz="1200" kern="1200" dirty="0">
                 <a:solidFill>
                   <a:schemeClr val="tx1"/>
                 </a:solidFill>
@@ -857,7 +856,7 @@
           </a:p>
           <a:p>
             <a:r>
-              <a:rPr lang="en-US" sz="1200" kern="1200" dirty="0" smtClean="0">
+              <a:rPr lang="en-US" sz="1200" kern="1200" dirty="0">
                 <a:solidFill>
                   <a:schemeClr val="tx1"/>
                 </a:solidFill>
@@ -868,7 +867,7 @@
               <a:t>3</a:t>
             </a:r>
             <a:r>
-              <a:rPr lang="zh-CN" altLang="en-US" sz="1200" kern="1200" dirty="0" smtClean="0">
+              <a:rPr lang="zh-CN" altLang="en-US" sz="1200" kern="1200" dirty="0">
                 <a:solidFill>
                   <a:schemeClr val="tx1"/>
                 </a:solidFill>
@@ -881,7 +880,7 @@
           </a:p>
           <a:p>
             <a:r>
-              <a:rPr lang="en-US" sz="1200" kern="1200" dirty="0" smtClean="0">
+              <a:rPr lang="en-US" sz="1200" kern="1200" dirty="0">
                 <a:solidFill>
                   <a:schemeClr val="tx1"/>
                 </a:solidFill>
@@ -892,7 +891,7 @@
               <a:t>4</a:t>
             </a:r>
             <a:r>
-              <a:rPr lang="zh-CN" altLang="en-US" sz="1200" kern="1200" dirty="0" smtClean="0">
+              <a:rPr lang="zh-CN" altLang="en-US" sz="1200" kern="1200" dirty="0">
                 <a:solidFill>
                   <a:schemeClr val="tx1"/>
                 </a:solidFill>
@@ -903,7 +902,7 @@
               <a:t>系统调试。包括计算机硬件、软件调试，</a:t>
             </a:r>
             <a:r>
-              <a:rPr lang="en-US" sz="1200" kern="1200" dirty="0" smtClean="0">
+              <a:rPr lang="en-US" sz="1200" kern="1200" dirty="0">
                 <a:solidFill>
                   <a:schemeClr val="tx1"/>
                 </a:solidFill>
@@ -914,7 +913,7 @@
               <a:t>PLC</a:t>
             </a:r>
             <a:r>
-              <a:rPr lang="zh-CN" altLang="en-US" sz="1200" kern="1200" dirty="0" smtClean="0">
+              <a:rPr lang="zh-CN" altLang="en-US" sz="1200" kern="1200" dirty="0">
                 <a:solidFill>
                   <a:schemeClr val="tx1"/>
                 </a:solidFill>
@@ -944,7 +943,7 @@
               <a:defRPr/>
             </a:pPr>
             <a:r>
-              <a:rPr lang="zh-CN" altLang="en-US" sz="1200" kern="1200" dirty="0" smtClean="0">
+              <a:rPr lang="zh-CN" altLang="en-US" sz="1200" kern="1200" dirty="0">
                 <a:solidFill>
                   <a:schemeClr val="tx1"/>
                 </a:solidFill>
@@ -955,7 +954,7 @@
               <a:t>    本课题的主要设计任务有三点，一是上位机控制程序的搭建，使用</a:t>
             </a:r>
             <a:r>
-              <a:rPr lang="en-US" sz="1200" kern="1200" dirty="0" smtClean="0">
+              <a:rPr lang="en-US" sz="1200" kern="1200" dirty="0">
                 <a:solidFill>
                   <a:schemeClr val="tx1"/>
                 </a:solidFill>
@@ -966,7 +965,7 @@
               <a:t>labview</a:t>
             </a:r>
             <a:r>
-              <a:rPr lang="zh-CN" altLang="en-US" sz="1200" kern="1200" dirty="0" smtClean="0">
+              <a:rPr lang="zh-CN" altLang="en-US" sz="1200" kern="1200" dirty="0">
                 <a:solidFill>
                   <a:schemeClr val="tx1"/>
                 </a:solidFill>
@@ -977,7 +976,7 @@
               <a:t>软件内嵌</a:t>
             </a:r>
             <a:r>
-              <a:rPr lang="en-US" sz="1200" kern="1200" dirty="0" smtClean="0">
+              <a:rPr lang="en-US" sz="1200" kern="1200" dirty="0">
                 <a:solidFill>
                   <a:schemeClr val="tx1"/>
                 </a:solidFill>
@@ -988,7 +987,7 @@
               <a:t>Microsoft Office Access</a:t>
             </a:r>
             <a:r>
-              <a:rPr lang="zh-CN" altLang="en-US" sz="1200" kern="1200" dirty="0" smtClean="0">
+              <a:rPr lang="zh-CN" altLang="en-US" sz="1200" kern="1200" dirty="0">
                 <a:solidFill>
                   <a:schemeClr val="tx1"/>
                 </a:solidFill>
@@ -999,7 +998,7 @@
               <a:t>关系数据库管理系统构建数据库，同时</a:t>
             </a:r>
             <a:r>
-              <a:rPr lang="en-US" sz="1200" kern="1200" dirty="0" smtClean="0">
+              <a:rPr lang="en-US" sz="1200" kern="1200" dirty="0">
                 <a:solidFill>
                   <a:schemeClr val="tx1"/>
                 </a:solidFill>
@@ -1010,7 +1009,7 @@
               <a:t>labview</a:t>
             </a:r>
             <a:r>
-              <a:rPr lang="zh-CN" altLang="en-US" sz="1200" kern="1200" dirty="0" smtClean="0">
+              <a:rPr lang="zh-CN" altLang="en-US" sz="1200" kern="1200" dirty="0">
                 <a:solidFill>
                   <a:schemeClr val="tx1"/>
                 </a:solidFill>
@@ -1021,7 +1020,7 @@
               <a:t>兼具图像可视化功能，可完成标本存入和取出过程的实时动画模拟，</a:t>
             </a:r>
             <a:r>
-              <a:rPr lang="en-US" sz="1200" kern="1200" dirty="0" smtClean="0">
+              <a:rPr lang="en-US" sz="1200" kern="1200" dirty="0">
                 <a:solidFill>
                   <a:schemeClr val="tx1"/>
                 </a:solidFill>
@@ -1032,7 +1031,7 @@
               <a:t>labview</a:t>
             </a:r>
             <a:r>
-              <a:rPr lang="zh-CN" altLang="en-US" sz="1200" kern="1200" dirty="0" smtClean="0">
+              <a:rPr lang="zh-CN" altLang="en-US" sz="1200" kern="1200" dirty="0">
                 <a:solidFill>
                   <a:schemeClr val="tx1"/>
                 </a:solidFill>
@@ -1043,7 +1042,7 @@
               <a:t>具备同下位机可编程控制器的通讯功能，实现对下位机的控制。第二点是可编程控制器控制程序的编写，本课题中使用台达</a:t>
             </a:r>
             <a:r>
-              <a:rPr lang="en-US" sz="1200" kern="1200" dirty="0" smtClean="0">
+              <a:rPr lang="en-US" sz="1200" kern="1200" dirty="0">
                 <a:solidFill>
                   <a:schemeClr val="tx1"/>
                 </a:solidFill>
@@ -1054,7 +1053,7 @@
               <a:t>DVP64EH00T3</a:t>
             </a:r>
             <a:r>
-              <a:rPr lang="zh-CN" altLang="en-US" sz="1200" kern="1200" dirty="0" smtClean="0">
+              <a:rPr lang="zh-CN" altLang="en-US" sz="1200" kern="1200" dirty="0">
                 <a:solidFill>
                   <a:schemeClr val="tx1"/>
                 </a:solidFill>
@@ -1065,7 +1064,7 @@
               <a:t>型号的</a:t>
             </a:r>
             <a:r>
-              <a:rPr lang="en-US" sz="1200" kern="1200" dirty="0" smtClean="0">
+              <a:rPr lang="en-US" sz="1200" kern="1200" dirty="0">
                 <a:solidFill>
                   <a:schemeClr val="tx1"/>
                 </a:solidFill>
@@ -1076,7 +1075,7 @@
               <a:t>PLC</a:t>
             </a:r>
             <a:r>
-              <a:rPr lang="zh-CN" altLang="en-US" sz="1200" kern="1200" dirty="0" smtClean="0">
+              <a:rPr lang="zh-CN" altLang="en-US" sz="1200" kern="1200" dirty="0">
                 <a:solidFill>
                   <a:schemeClr val="tx1"/>
                 </a:solidFill>
@@ -1087,7 +1086,7 @@
               <a:t>，该种</a:t>
             </a:r>
             <a:r>
-              <a:rPr lang="en-US" sz="1200" kern="1200" dirty="0" smtClean="0">
+              <a:rPr lang="en-US" sz="1200" kern="1200" dirty="0">
                 <a:solidFill>
                   <a:schemeClr val="tx1"/>
                 </a:solidFill>
@@ -1098,7 +1097,7 @@
               <a:t>PLC</a:t>
             </a:r>
             <a:r>
-              <a:rPr lang="zh-CN" altLang="en-US" sz="1200" kern="1200" dirty="0" smtClean="0">
+              <a:rPr lang="zh-CN" altLang="en-US" sz="1200" kern="1200" dirty="0">
                 <a:solidFill>
                   <a:schemeClr val="tx1"/>
                 </a:solidFill>
@@ -1109,7 +1108,7 @@
               <a:t>具有</a:t>
             </a:r>
             <a:r>
-              <a:rPr lang="en-US" sz="1200" kern="1200" dirty="0" smtClean="0">
+              <a:rPr lang="en-US" sz="1200" kern="1200" dirty="0">
                 <a:solidFill>
                   <a:schemeClr val="tx1"/>
                 </a:solidFill>
@@ -1120,7 +1119,7 @@
               <a:t>64</a:t>
             </a:r>
             <a:r>
-              <a:rPr lang="zh-CN" altLang="en-US" sz="1200" kern="1200" dirty="0" smtClean="0">
+              <a:rPr lang="zh-CN" altLang="en-US" sz="1200" kern="1200" dirty="0">
                 <a:solidFill>
                   <a:schemeClr val="tx1"/>
                 </a:solidFill>
@@ -1131,7 +1130,7 @@
               <a:t>个引脚，且功能稳定，可以实现对步进电机驱动器的控制。第三点是硬件系统的搭建，硬件系统包括计算机、</a:t>
             </a:r>
             <a:r>
-              <a:rPr lang="en-US" sz="1200" kern="1200" dirty="0" smtClean="0">
+              <a:rPr lang="en-US" sz="1200" kern="1200" dirty="0">
                 <a:solidFill>
                   <a:schemeClr val="tx1"/>
                 </a:solidFill>
@@ -1142,7 +1141,7 @@
               <a:t>485/232</a:t>
             </a:r>
             <a:r>
-              <a:rPr lang="zh-CN" altLang="en-US" sz="1200" kern="1200" dirty="0" smtClean="0">
+              <a:rPr lang="zh-CN" altLang="en-US" sz="1200" kern="1200" dirty="0">
                 <a:solidFill>
                   <a:schemeClr val="tx1"/>
                 </a:solidFill>
@@ -1153,7 +1152,7 @@
               <a:t>转换器、可编程控制器、</a:t>
             </a:r>
             <a:r>
-              <a:rPr lang="en-US" sz="1200" kern="1200" dirty="0" smtClean="0">
+              <a:rPr lang="en-US" sz="1200" kern="1200" dirty="0">
                 <a:solidFill>
                   <a:schemeClr val="tx1"/>
                 </a:solidFill>
@@ -1164,7 +1163,7 @@
               <a:t>3</a:t>
             </a:r>
             <a:r>
-              <a:rPr lang="zh-CN" altLang="en-US" sz="1200" kern="1200" dirty="0" smtClean="0">
+              <a:rPr lang="zh-CN" altLang="en-US" sz="1200" kern="1200" dirty="0">
                 <a:solidFill>
                   <a:schemeClr val="tx1"/>
                 </a:solidFill>
@@ -1259,7 +1258,7 @@
           <a:lstStyle/>
           <a:p>
             <a:r>
-              <a:rPr lang="zh-CN" altLang="en-US" sz="1200" kern="1200" dirty="0" smtClean="0">
+              <a:rPr lang="zh-CN" altLang="en-US" sz="1200" kern="1200" dirty="0">
                 <a:solidFill>
                   <a:schemeClr val="tx1"/>
                 </a:solidFill>
@@ -1270,7 +1269,7 @@
               <a:t>首先建立自动化标本库管理控制系统，接着基于计算机利用</a:t>
             </a:r>
             <a:r>
-              <a:rPr lang="en-US" sz="1200" kern="1200" dirty="0" smtClean="0">
+              <a:rPr lang="en-US" sz="1200" kern="1200" dirty="0">
                 <a:solidFill>
                   <a:schemeClr val="tx1"/>
                 </a:solidFill>
@@ -1281,7 +1280,7 @@
               <a:t>LabVIEW</a:t>
             </a:r>
             <a:r>
-              <a:rPr lang="zh-CN" altLang="en-US" sz="1200" kern="1200" dirty="0" smtClean="0">
+              <a:rPr lang="zh-CN" altLang="en-US" sz="1200" kern="1200" dirty="0">
                 <a:solidFill>
                   <a:schemeClr val="tx1"/>
                 </a:solidFill>
@@ -1292,7 +1291,7 @@
               <a:t>软件内嵌</a:t>
             </a:r>
             <a:r>
-              <a:rPr lang="en-US" sz="1200" kern="1200" dirty="0" smtClean="0">
+              <a:rPr lang="en-US" sz="1200" kern="1200" dirty="0">
                 <a:solidFill>
                   <a:schemeClr val="tx1"/>
                 </a:solidFill>
@@ -1303,7 +1302,7 @@
               <a:t>Microsoft OfficeAccess</a:t>
             </a:r>
             <a:r>
-              <a:rPr lang="zh-CN" altLang="en-US" sz="1200" kern="1200" dirty="0" smtClean="0">
+              <a:rPr lang="zh-CN" altLang="en-US" sz="1200" kern="1200" dirty="0">
                 <a:solidFill>
                   <a:schemeClr val="tx1"/>
                 </a:solidFill>
@@ -1314,7 +1313,7 @@
               <a:t>关系数据库管理系统构建数据库，同时</a:t>
             </a:r>
             <a:r>
-              <a:rPr lang="en-US" sz="1200" kern="1200" dirty="0" smtClean="0">
+              <a:rPr lang="en-US" sz="1200" kern="1200" dirty="0">
                 <a:solidFill>
                   <a:schemeClr val="tx1"/>
                 </a:solidFill>
@@ -1325,7 +1324,7 @@
               <a:t>LabVIEW</a:t>
             </a:r>
             <a:r>
-              <a:rPr lang="zh-CN" altLang="en-US" sz="1200" kern="1200" dirty="0" smtClean="0">
+              <a:rPr lang="zh-CN" altLang="en-US" sz="1200" kern="1200" dirty="0">
                 <a:solidFill>
                   <a:schemeClr val="tx1"/>
                 </a:solidFill>
@@ -1336,7 +1335,7 @@
               <a:t>兼具图像可视化功能，可完成标本存入和取出过程的实时动画模拟，</a:t>
             </a:r>
             <a:r>
-              <a:rPr lang="en-US" sz="1200" kern="1200" dirty="0" smtClean="0">
+              <a:rPr lang="en-US" sz="1200" kern="1200" dirty="0">
                 <a:solidFill>
                   <a:schemeClr val="tx1"/>
                 </a:solidFill>
@@ -1347,7 +1346,7 @@
               <a:t>LabVIEW</a:t>
             </a:r>
             <a:r>
-              <a:rPr lang="zh-CN" altLang="en-US" sz="1200" kern="1200" dirty="0" smtClean="0">
+              <a:rPr lang="zh-CN" altLang="en-US" sz="1200" kern="1200" dirty="0">
                 <a:solidFill>
                   <a:schemeClr val="tx1"/>
                 </a:solidFill>
@@ -1358,7 +1357,7 @@
               <a:t>具备同下位机可编程控制器的通讯功能，实现对下位机</a:t>
             </a:r>
             <a:r>
-              <a:rPr lang="en-US" sz="1200" kern="1200" dirty="0" smtClean="0">
+              <a:rPr lang="en-US" sz="1200" kern="1200" dirty="0">
                 <a:solidFill>
                   <a:schemeClr val="tx1"/>
                 </a:solidFill>
@@ -1369,7 +1368,7 @@
               <a:t>PLC</a:t>
             </a:r>
             <a:r>
-              <a:rPr lang="zh-CN" altLang="en-US" sz="1200" kern="1200" dirty="0" smtClean="0">
+              <a:rPr lang="zh-CN" altLang="en-US" sz="1200" kern="1200" dirty="0">
                 <a:solidFill>
                   <a:schemeClr val="tx1"/>
                 </a:solidFill>
@@ -1382,7 +1381,7 @@
           </a:p>
           <a:p>
             <a:r>
-              <a:rPr lang="zh-CN" altLang="en-US" sz="1200" kern="1200" dirty="0" smtClean="0">
+              <a:rPr lang="zh-CN" altLang="en-US" sz="1200" kern="1200" dirty="0">
                 <a:solidFill>
                   <a:schemeClr val="tx1"/>
                 </a:solidFill>
@@ -1393,7 +1392,7 @@
               <a:t>另一部分工作时</a:t>
             </a:r>
             <a:r>
-              <a:rPr lang="en-US" sz="1200" kern="1200" dirty="0" smtClean="0">
+              <a:rPr lang="en-US" sz="1200" kern="1200" dirty="0">
                 <a:solidFill>
                   <a:schemeClr val="tx1"/>
                 </a:solidFill>
@@ -1404,7 +1403,7 @@
               <a:t>PLC</a:t>
             </a:r>
             <a:r>
-              <a:rPr lang="zh-CN" altLang="en-US" sz="1200" kern="1200" dirty="0" smtClean="0">
+              <a:rPr lang="zh-CN" altLang="en-US" sz="1200" kern="1200" dirty="0">
                 <a:solidFill>
                   <a:schemeClr val="tx1"/>
                 </a:solidFill>
@@ -1415,7 +1414,7 @@
               <a:t>控制程序的编写，本课题中使用台达</a:t>
             </a:r>
             <a:r>
-              <a:rPr lang="en-US" sz="1200" kern="1200" dirty="0" smtClean="0">
+              <a:rPr lang="en-US" sz="1200" kern="1200" dirty="0">
                 <a:solidFill>
                   <a:schemeClr val="tx1"/>
                 </a:solidFill>
@@ -1426,7 +1425,7 @@
               <a:t>DVP64EH00T3</a:t>
             </a:r>
             <a:r>
-              <a:rPr lang="zh-CN" altLang="en-US" sz="1200" kern="1200" dirty="0" smtClean="0">
+              <a:rPr lang="zh-CN" altLang="en-US" sz="1200" kern="1200" dirty="0">
                 <a:solidFill>
                   <a:schemeClr val="tx1"/>
                 </a:solidFill>
@@ -1437,7 +1436,7 @@
               <a:t>型号的</a:t>
             </a:r>
             <a:r>
-              <a:rPr lang="en-US" sz="1200" kern="1200" dirty="0" smtClean="0">
+              <a:rPr lang="en-US" sz="1200" kern="1200" dirty="0">
                 <a:solidFill>
                   <a:schemeClr val="tx1"/>
                 </a:solidFill>
@@ -1448,7 +1447,7 @@
               <a:t>PLC</a:t>
             </a:r>
             <a:r>
-              <a:rPr lang="zh-CN" altLang="en-US" sz="1200" kern="1200" dirty="0" smtClean="0">
+              <a:rPr lang="zh-CN" altLang="en-US" sz="1200" kern="1200" dirty="0">
                 <a:solidFill>
                   <a:schemeClr val="tx1"/>
                 </a:solidFill>
@@ -1459,7 +1458,7 @@
               <a:t>，该种</a:t>
             </a:r>
             <a:r>
-              <a:rPr lang="en-US" sz="1200" kern="1200" dirty="0" smtClean="0">
+              <a:rPr lang="en-US" sz="1200" kern="1200" dirty="0">
                 <a:solidFill>
                   <a:schemeClr val="tx1"/>
                 </a:solidFill>
@@ -1470,7 +1469,7 @@
               <a:t>PLC</a:t>
             </a:r>
             <a:r>
-              <a:rPr lang="zh-CN" altLang="en-US" sz="1200" kern="1200" dirty="0" smtClean="0">
+              <a:rPr lang="zh-CN" altLang="en-US" sz="1200" kern="1200" dirty="0">
                 <a:solidFill>
                   <a:schemeClr val="tx1"/>
                 </a:solidFill>
@@ -1481,7 +1480,7 @@
               <a:t>具有</a:t>
             </a:r>
             <a:r>
-              <a:rPr lang="en-US" sz="1200" kern="1200" dirty="0" smtClean="0">
+              <a:rPr lang="en-US" sz="1200" kern="1200" dirty="0">
                 <a:solidFill>
                   <a:schemeClr val="tx1"/>
                 </a:solidFill>
@@ -1492,7 +1491,7 @@
               <a:t>64</a:t>
             </a:r>
             <a:r>
-              <a:rPr lang="zh-CN" altLang="en-US" sz="1200" kern="1200" dirty="0" smtClean="0">
+              <a:rPr lang="zh-CN" altLang="en-US" sz="1200" kern="1200" dirty="0">
                 <a:solidFill>
                   <a:schemeClr val="tx1"/>
                 </a:solidFill>
@@ -1578,10 +1577,9 @@
           <a:lstStyle/>
           <a:p>
             <a:r>
-              <a:rPr lang="zh-CN" altLang="en-US" smtClean="0"/>
+              <a:rPr lang="zh-CN" altLang="en-US"/>
               <a:t>单击此处编辑母版标题样式</a:t>
             </a:r>
-            <a:endParaRPr lang="zh-CN" altLang="en-US"/>
           </a:p>
         </p:txBody>
       </p:sp>
@@ -1697,10 +1695,9 @@
           </a:lstStyle>
           <a:p>
             <a:r>
-              <a:rPr lang="zh-CN" altLang="en-US" smtClean="0"/>
+              <a:rPr lang="zh-CN" altLang="en-US"/>
               <a:t>单击此处编辑母版副标题样式</a:t>
             </a:r>
-            <a:endParaRPr lang="zh-CN" altLang="en-US"/>
           </a:p>
         </p:txBody>
       </p:sp>
@@ -1727,7 +1724,7 @@
               <a:pPr>
                 <a:defRPr/>
               </a:pPr>
-              <a:t>2015/9/29</a:t>
+              <a:t>2019/9/18</a:t>
             </a:fld>
             <a:endParaRPr lang="en-US" altLang="zh-CN" dirty="0"/>
           </a:p>
@@ -1789,13 +1786,6 @@
   <p:clrMapOvr>
     <a:masterClrMapping/>
   </p:clrMapOvr>
-  <p:timing>
-    <p:tnLst>
-      <p:par>
-        <p:cTn id="1" dur="indefinite" restart="never" nodeType="tmRoot"/>
-      </p:par>
-    </p:tnLst>
-  </p:timing>
 </p:sldLayout>
 </file>
 
@@ -1832,10 +1822,9 @@
           <a:lstStyle/>
           <a:p>
             <a:r>
-              <a:rPr lang="zh-CN" altLang="en-US" smtClean="0"/>
+              <a:rPr lang="zh-CN" altLang="en-US"/>
               <a:t>单击此处编辑母版标题样式</a:t>
             </a:r>
-            <a:endParaRPr lang="zh-CN" altLang="en-US"/>
           </a:p>
         </p:txBody>
       </p:sp>
@@ -1856,38 +1845,37 @@
           <a:p>
             <a:pPr lvl="0"/>
             <a:r>
-              <a:rPr lang="zh-CN" altLang="en-US" smtClean="0"/>
+              <a:rPr lang="zh-CN" altLang="en-US"/>
               <a:t>单击此处编辑母版文本样式</a:t>
             </a:r>
           </a:p>
           <a:p>
             <a:pPr lvl="1"/>
             <a:r>
-              <a:rPr lang="zh-CN" altLang="en-US" smtClean="0"/>
+              <a:rPr lang="zh-CN" altLang="en-US"/>
               <a:t>第二级</a:t>
             </a:r>
           </a:p>
           <a:p>
             <a:pPr lvl="2"/>
             <a:r>
-              <a:rPr lang="zh-CN" altLang="en-US" smtClean="0"/>
+              <a:rPr lang="zh-CN" altLang="en-US"/>
               <a:t>第三级</a:t>
             </a:r>
           </a:p>
           <a:p>
             <a:pPr lvl="3"/>
             <a:r>
-              <a:rPr lang="zh-CN" altLang="en-US" smtClean="0"/>
+              <a:rPr lang="zh-CN" altLang="en-US"/>
               <a:t>第四级</a:t>
             </a:r>
           </a:p>
           <a:p>
             <a:pPr lvl="4"/>
             <a:r>
-              <a:rPr lang="zh-CN" altLang="en-US" smtClean="0"/>
+              <a:rPr lang="zh-CN" altLang="en-US"/>
               <a:t>第五级</a:t>
             </a:r>
-            <a:endParaRPr lang="zh-CN" altLang="en-US"/>
           </a:p>
         </p:txBody>
       </p:sp>
@@ -1930,7 +1918,7 @@
                 </a:spcAft>
                 <a:defRPr/>
               </a:pPr>
-              <a:t>2015/9/29</a:t>
+              <a:t>2019/9/18</a:t>
             </a:fld>
             <a:endParaRPr lang="en-US" altLang="zh-CN">
               <a:solidFill>
@@ -2026,13 +2014,6 @@
   <p:clrMapOvr>
     <a:masterClrMapping/>
   </p:clrMapOvr>
-  <p:timing>
-    <p:tnLst>
-      <p:par>
-        <p:cTn id="1" dur="indefinite" restart="never" nodeType="tmRoot"/>
-      </p:par>
-    </p:tnLst>
-  </p:timing>
 </p:sldLayout>
 </file>
 
@@ -2074,10 +2055,9 @@
           <a:lstStyle/>
           <a:p>
             <a:r>
-              <a:rPr lang="zh-CN" altLang="en-US" smtClean="0"/>
+              <a:rPr lang="zh-CN" altLang="en-US"/>
               <a:t>单击此处编辑母版标题样式</a:t>
             </a:r>
-            <a:endParaRPr lang="zh-CN" altLang="en-US"/>
           </a:p>
         </p:txBody>
       </p:sp>
@@ -2103,38 +2083,37 @@
           <a:p>
             <a:pPr lvl="0"/>
             <a:r>
-              <a:rPr lang="zh-CN" altLang="en-US" smtClean="0"/>
+              <a:rPr lang="zh-CN" altLang="en-US"/>
               <a:t>单击此处编辑母版文本样式</a:t>
             </a:r>
           </a:p>
           <a:p>
             <a:pPr lvl="1"/>
             <a:r>
-              <a:rPr lang="zh-CN" altLang="en-US" smtClean="0"/>
+              <a:rPr lang="zh-CN" altLang="en-US"/>
               <a:t>第二级</a:t>
             </a:r>
           </a:p>
           <a:p>
             <a:pPr lvl="2"/>
             <a:r>
-              <a:rPr lang="zh-CN" altLang="en-US" smtClean="0"/>
+              <a:rPr lang="zh-CN" altLang="en-US"/>
               <a:t>第三级</a:t>
             </a:r>
           </a:p>
           <a:p>
             <a:pPr lvl="3"/>
             <a:r>
-              <a:rPr lang="zh-CN" altLang="en-US" smtClean="0"/>
+              <a:rPr lang="zh-CN" altLang="en-US"/>
               <a:t>第四级</a:t>
             </a:r>
           </a:p>
           <a:p>
             <a:pPr lvl="4"/>
             <a:r>
-              <a:rPr lang="zh-CN" altLang="en-US" smtClean="0"/>
+              <a:rPr lang="zh-CN" altLang="en-US"/>
               <a:t>第五级</a:t>
             </a:r>
-            <a:endParaRPr lang="zh-CN" altLang="en-US"/>
           </a:p>
         </p:txBody>
       </p:sp>
@@ -2177,7 +2156,7 @@
                 </a:spcAft>
                 <a:defRPr/>
               </a:pPr>
-              <a:t>2015/9/29</a:t>
+              <a:t>2019/9/18</a:t>
             </a:fld>
             <a:endParaRPr lang="en-US" altLang="zh-CN">
               <a:solidFill>
@@ -2273,13 +2252,6 @@
   <p:clrMapOvr>
     <a:masterClrMapping/>
   </p:clrMapOvr>
-  <p:timing>
-    <p:tnLst>
-      <p:par>
-        <p:cTn id="1" dur="indefinite" restart="never" nodeType="tmRoot"/>
-      </p:par>
-    </p:tnLst>
-  </p:timing>
 </p:sldLayout>
 </file>
 
@@ -2316,10 +2288,9 @@
           <a:lstStyle/>
           <a:p>
             <a:r>
-              <a:rPr lang="zh-CN" altLang="en-US" smtClean="0"/>
+              <a:rPr lang="zh-CN" altLang="en-US"/>
               <a:t>单击此处编辑母版标题样式</a:t>
             </a:r>
-            <a:endParaRPr lang="zh-CN" altLang="en-US"/>
           </a:p>
         </p:txBody>
       </p:sp>
@@ -2340,38 +2311,37 @@
           <a:p>
             <a:pPr lvl="0"/>
             <a:r>
-              <a:rPr lang="zh-CN" altLang="en-US" smtClean="0"/>
+              <a:rPr lang="zh-CN" altLang="en-US"/>
               <a:t>单击此处编辑母版文本样式</a:t>
             </a:r>
           </a:p>
           <a:p>
             <a:pPr lvl="1"/>
             <a:r>
-              <a:rPr lang="zh-CN" altLang="en-US" smtClean="0"/>
+              <a:rPr lang="zh-CN" altLang="en-US"/>
               <a:t>第二级</a:t>
             </a:r>
           </a:p>
           <a:p>
             <a:pPr lvl="2"/>
             <a:r>
-              <a:rPr lang="zh-CN" altLang="en-US" smtClean="0"/>
+              <a:rPr lang="zh-CN" altLang="en-US"/>
               <a:t>第三级</a:t>
             </a:r>
           </a:p>
           <a:p>
             <a:pPr lvl="3"/>
             <a:r>
-              <a:rPr lang="zh-CN" altLang="en-US" smtClean="0"/>
+              <a:rPr lang="zh-CN" altLang="en-US"/>
               <a:t>第四级</a:t>
             </a:r>
           </a:p>
           <a:p>
             <a:pPr lvl="4"/>
             <a:r>
-              <a:rPr lang="zh-CN" altLang="en-US" smtClean="0"/>
+              <a:rPr lang="zh-CN" altLang="en-US"/>
               <a:t>第五级</a:t>
             </a:r>
-            <a:endParaRPr lang="zh-CN" altLang="en-US"/>
           </a:p>
         </p:txBody>
       </p:sp>
@@ -2411,7 +2381,7 @@
               <a:pPr>
                 <a:defRPr/>
               </a:pPr>
-              <a:t>2015/9/29</a:t>
+              <a:t>2019/9/18</a:t>
             </a:fld>
             <a:endParaRPr lang="en-US" altLang="zh-CN" dirty="0"/>
           </a:p>
@@ -2488,13 +2458,6 @@
   <p:transition spd="slow">
     <p:pull dir="ru"/>
   </p:transition>
-  <p:timing>
-    <p:tnLst>
-      <p:par>
-        <p:cTn id="1" dur="indefinite" restart="never" nodeType="tmRoot"/>
-      </p:par>
-    </p:tnLst>
-  </p:timing>
 </p:sldLayout>
 </file>
 
@@ -2540,10 +2503,9 @@
           </a:lstStyle>
           <a:p>
             <a:r>
-              <a:rPr lang="zh-CN" altLang="en-US" smtClean="0"/>
+              <a:rPr lang="zh-CN" altLang="en-US"/>
               <a:t>单击此处编辑母版标题样式</a:t>
             </a:r>
-            <a:endParaRPr lang="zh-CN" altLang="en-US"/>
           </a:p>
         </p:txBody>
       </p:sp>
@@ -2660,7 +2622,7 @@
           <a:p>
             <a:pPr lvl="0"/>
             <a:r>
-              <a:rPr lang="zh-CN" altLang="en-US" smtClean="0"/>
+              <a:rPr lang="zh-CN" altLang="en-US"/>
               <a:t>单击此处编辑母版文本样式</a:t>
             </a:r>
           </a:p>
@@ -2705,7 +2667,7 @@
                 </a:spcAft>
                 <a:defRPr/>
               </a:pPr>
-              <a:t>2015/9/29</a:t>
+              <a:t>2019/9/18</a:t>
             </a:fld>
             <a:endParaRPr lang="en-US" altLang="zh-CN">
               <a:solidFill>
@@ -2801,13 +2763,6 @@
   <p:clrMapOvr>
     <a:masterClrMapping/>
   </p:clrMapOvr>
-  <p:timing>
-    <p:tnLst>
-      <p:par>
-        <p:cTn id="1" dur="indefinite" restart="never" nodeType="tmRoot"/>
-      </p:par>
-    </p:tnLst>
-  </p:timing>
 </p:sldLayout>
 </file>
 
@@ -2844,10 +2799,9 @@
           <a:lstStyle/>
           <a:p>
             <a:r>
-              <a:rPr lang="zh-CN" altLang="en-US" smtClean="0"/>
+              <a:rPr lang="zh-CN" altLang="en-US"/>
               <a:t>单击此处编辑母版标题样式</a:t>
             </a:r>
-            <a:endParaRPr lang="zh-CN" altLang="en-US"/>
           </a:p>
         </p:txBody>
       </p:sp>
@@ -2901,38 +2855,37 @@
           <a:p>
             <a:pPr lvl="0"/>
             <a:r>
-              <a:rPr lang="zh-CN" altLang="en-US" smtClean="0"/>
+              <a:rPr lang="zh-CN" altLang="en-US"/>
               <a:t>单击此处编辑母版文本样式</a:t>
             </a:r>
           </a:p>
           <a:p>
             <a:pPr lvl="1"/>
             <a:r>
-              <a:rPr lang="zh-CN" altLang="en-US" smtClean="0"/>
+              <a:rPr lang="zh-CN" altLang="en-US"/>
               <a:t>第二级</a:t>
             </a:r>
           </a:p>
           <a:p>
             <a:pPr lvl="2"/>
             <a:r>
-              <a:rPr lang="zh-CN" altLang="en-US" smtClean="0"/>
+              <a:rPr lang="zh-CN" altLang="en-US"/>
               <a:t>第三级</a:t>
             </a:r>
           </a:p>
           <a:p>
             <a:pPr lvl="3"/>
             <a:r>
-              <a:rPr lang="zh-CN" altLang="en-US" smtClean="0"/>
+              <a:rPr lang="zh-CN" altLang="en-US"/>
               <a:t>第四级</a:t>
             </a:r>
           </a:p>
           <a:p>
             <a:pPr lvl="4"/>
             <a:r>
-              <a:rPr lang="zh-CN" altLang="en-US" smtClean="0"/>
+              <a:rPr lang="zh-CN" altLang="en-US"/>
               <a:t>第五级</a:t>
             </a:r>
-            <a:endParaRPr lang="zh-CN" altLang="en-US"/>
           </a:p>
         </p:txBody>
       </p:sp>
@@ -2986,38 +2939,37 @@
           <a:p>
             <a:pPr lvl="0"/>
             <a:r>
-              <a:rPr lang="zh-CN" altLang="en-US" smtClean="0"/>
+              <a:rPr lang="zh-CN" altLang="en-US"/>
               <a:t>单击此处编辑母版文本样式</a:t>
             </a:r>
           </a:p>
           <a:p>
             <a:pPr lvl="1"/>
             <a:r>
-              <a:rPr lang="zh-CN" altLang="en-US" smtClean="0"/>
+              <a:rPr lang="zh-CN" altLang="en-US"/>
               <a:t>第二级</a:t>
             </a:r>
           </a:p>
           <a:p>
             <a:pPr lvl="2"/>
             <a:r>
-              <a:rPr lang="zh-CN" altLang="en-US" smtClean="0"/>
+              <a:rPr lang="zh-CN" altLang="en-US"/>
               <a:t>第三级</a:t>
             </a:r>
           </a:p>
           <a:p>
             <a:pPr lvl="3"/>
             <a:r>
-              <a:rPr lang="zh-CN" altLang="en-US" smtClean="0"/>
+              <a:rPr lang="zh-CN" altLang="en-US"/>
               <a:t>第四级</a:t>
             </a:r>
           </a:p>
           <a:p>
             <a:pPr lvl="4"/>
             <a:r>
-              <a:rPr lang="zh-CN" altLang="en-US" smtClean="0"/>
+              <a:rPr lang="zh-CN" altLang="en-US"/>
               <a:t>第五级</a:t>
             </a:r>
-            <a:endParaRPr lang="zh-CN" altLang="en-US"/>
           </a:p>
         </p:txBody>
       </p:sp>
@@ -3060,7 +3012,7 @@
                 </a:spcAft>
                 <a:defRPr/>
               </a:pPr>
-              <a:t>2015/9/29</a:t>
+              <a:t>2019/9/18</a:t>
             </a:fld>
             <a:endParaRPr lang="en-US" altLang="zh-CN">
               <a:solidFill>
@@ -3156,13 +3108,6 @@
   <p:clrMapOvr>
     <a:masterClrMapping/>
   </p:clrMapOvr>
-  <p:timing>
-    <p:tnLst>
-      <p:par>
-        <p:cTn id="1" dur="indefinite" restart="never" nodeType="tmRoot"/>
-      </p:par>
-    </p:tnLst>
-  </p:timing>
 </p:sldLayout>
 </file>
 
@@ -3203,10 +3148,9 @@
           </a:lstStyle>
           <a:p>
             <a:r>
-              <a:rPr lang="zh-CN" altLang="en-US" smtClean="0"/>
+              <a:rPr lang="zh-CN" altLang="en-US"/>
               <a:t>单击此处编辑母版标题样式</a:t>
             </a:r>
-            <a:endParaRPr lang="zh-CN" altLang="en-US"/>
           </a:p>
         </p:txBody>
       </p:sp>
@@ -3269,7 +3213,7 @@
           <a:p>
             <a:pPr lvl="0"/>
             <a:r>
-              <a:rPr lang="zh-CN" altLang="en-US" smtClean="0"/>
+              <a:rPr lang="zh-CN" altLang="en-US"/>
               <a:t>单击此处编辑母版文本样式</a:t>
             </a:r>
           </a:p>
@@ -3325,38 +3269,37 @@
           <a:p>
             <a:pPr lvl="0"/>
             <a:r>
-              <a:rPr lang="zh-CN" altLang="en-US" smtClean="0"/>
+              <a:rPr lang="zh-CN" altLang="en-US"/>
               <a:t>单击此处编辑母版文本样式</a:t>
             </a:r>
           </a:p>
           <a:p>
             <a:pPr lvl="1"/>
             <a:r>
-              <a:rPr lang="zh-CN" altLang="en-US" smtClean="0"/>
+              <a:rPr lang="zh-CN" altLang="en-US"/>
               <a:t>第二级</a:t>
             </a:r>
           </a:p>
           <a:p>
             <a:pPr lvl="2"/>
             <a:r>
-              <a:rPr lang="zh-CN" altLang="en-US" smtClean="0"/>
+              <a:rPr lang="zh-CN" altLang="en-US"/>
               <a:t>第三级</a:t>
             </a:r>
           </a:p>
           <a:p>
             <a:pPr lvl="3"/>
             <a:r>
-              <a:rPr lang="zh-CN" altLang="en-US" smtClean="0"/>
+              <a:rPr lang="zh-CN" altLang="en-US"/>
               <a:t>第四级</a:t>
             </a:r>
           </a:p>
           <a:p>
             <a:pPr lvl="4"/>
             <a:r>
-              <a:rPr lang="zh-CN" altLang="en-US" smtClean="0"/>
+              <a:rPr lang="zh-CN" altLang="en-US"/>
               <a:t>第五级</a:t>
             </a:r>
-            <a:endParaRPr lang="zh-CN" altLang="en-US"/>
           </a:p>
         </p:txBody>
       </p:sp>
@@ -3419,7 +3362,7 @@
           <a:p>
             <a:pPr lvl="0"/>
             <a:r>
-              <a:rPr lang="zh-CN" altLang="en-US" smtClean="0"/>
+              <a:rPr lang="zh-CN" altLang="en-US"/>
               <a:t>单击此处编辑母版文本样式</a:t>
             </a:r>
           </a:p>
@@ -3475,38 +3418,37 @@
           <a:p>
             <a:pPr lvl="0"/>
             <a:r>
-              <a:rPr lang="zh-CN" altLang="en-US" smtClean="0"/>
+              <a:rPr lang="zh-CN" altLang="en-US"/>
               <a:t>单击此处编辑母版文本样式</a:t>
             </a:r>
           </a:p>
           <a:p>
             <a:pPr lvl="1"/>
             <a:r>
-              <a:rPr lang="zh-CN" altLang="en-US" smtClean="0"/>
+              <a:rPr lang="zh-CN" altLang="en-US"/>
               <a:t>第二级</a:t>
             </a:r>
           </a:p>
           <a:p>
             <a:pPr lvl="2"/>
             <a:r>
-              <a:rPr lang="zh-CN" altLang="en-US" smtClean="0"/>
+              <a:rPr lang="zh-CN" altLang="en-US"/>
               <a:t>第三级</a:t>
             </a:r>
           </a:p>
           <a:p>
             <a:pPr lvl="3"/>
             <a:r>
-              <a:rPr lang="zh-CN" altLang="en-US" smtClean="0"/>
+              <a:rPr lang="zh-CN" altLang="en-US"/>
               <a:t>第四级</a:t>
             </a:r>
           </a:p>
           <a:p>
             <a:pPr lvl="4"/>
             <a:r>
-              <a:rPr lang="zh-CN" altLang="en-US" smtClean="0"/>
+              <a:rPr lang="zh-CN" altLang="en-US"/>
               <a:t>第五级</a:t>
             </a:r>
-            <a:endParaRPr lang="zh-CN" altLang="en-US"/>
           </a:p>
         </p:txBody>
       </p:sp>
@@ -3549,7 +3491,7 @@
                 </a:spcAft>
                 <a:defRPr/>
               </a:pPr>
-              <a:t>2015/9/29</a:t>
+              <a:t>2019/9/18</a:t>
             </a:fld>
             <a:endParaRPr lang="en-US" altLang="zh-CN">
               <a:solidFill>
@@ -3645,13 +3587,6 @@
   <p:clrMapOvr>
     <a:masterClrMapping/>
   </p:clrMapOvr>
-  <p:timing>
-    <p:tnLst>
-      <p:par>
-        <p:cTn id="1" dur="indefinite" restart="never" nodeType="tmRoot"/>
-      </p:par>
-    </p:tnLst>
-  </p:timing>
 </p:sldLayout>
 </file>
 
@@ -3688,10 +3623,9 @@
           <a:lstStyle/>
           <a:p>
             <a:r>
-              <a:rPr lang="zh-CN" altLang="en-US" smtClean="0"/>
+              <a:rPr lang="zh-CN" altLang="en-US"/>
               <a:t>单击此处编辑母版标题样式</a:t>
             </a:r>
-            <a:endParaRPr lang="zh-CN" altLang="en-US"/>
           </a:p>
         </p:txBody>
       </p:sp>
@@ -3734,7 +3668,7 @@
                 </a:spcAft>
                 <a:defRPr/>
               </a:pPr>
-              <a:t>2015/9/29</a:t>
+              <a:t>2019/9/18</a:t>
             </a:fld>
             <a:endParaRPr lang="en-US" altLang="zh-CN">
               <a:solidFill>
@@ -3830,13 +3764,6 @@
   <p:clrMapOvr>
     <a:masterClrMapping/>
   </p:clrMapOvr>
-  <p:timing>
-    <p:tnLst>
-      <p:par>
-        <p:cTn id="1" dur="indefinite" restart="never" nodeType="tmRoot"/>
-      </p:par>
-    </p:tnLst>
-  </p:timing>
 </p:sldLayout>
 </file>
 
@@ -3884,7 +3811,7 @@
               <a:pPr>
                 <a:defRPr/>
               </a:pPr>
-              <a:t>2015/9/29</a:t>
+              <a:t>2019/9/18</a:t>
             </a:fld>
             <a:endParaRPr lang="en-US" altLang="zh-CN" dirty="0">
               <a:solidFill>
@@ -4113,10 +4040,9 @@
           </a:lstStyle>
           <a:p>
             <a:r>
-              <a:rPr lang="zh-CN" altLang="en-US" smtClean="0"/>
+              <a:rPr lang="zh-CN" altLang="en-US"/>
               <a:t>单击此处编辑母版标题样式</a:t>
             </a:r>
-            <a:endParaRPr lang="zh-CN" altLang="en-US"/>
           </a:p>
         </p:txBody>
       </p:sp>
@@ -4170,38 +4096,37 @@
           <a:p>
             <a:pPr lvl="0"/>
             <a:r>
-              <a:rPr lang="zh-CN" altLang="en-US" smtClean="0"/>
+              <a:rPr lang="zh-CN" altLang="en-US"/>
               <a:t>单击此处编辑母版文本样式</a:t>
             </a:r>
           </a:p>
           <a:p>
             <a:pPr lvl="1"/>
             <a:r>
-              <a:rPr lang="zh-CN" altLang="en-US" smtClean="0"/>
+              <a:rPr lang="zh-CN" altLang="en-US"/>
               <a:t>第二级</a:t>
             </a:r>
           </a:p>
           <a:p>
             <a:pPr lvl="2"/>
             <a:r>
-              <a:rPr lang="zh-CN" altLang="en-US" smtClean="0"/>
+              <a:rPr lang="zh-CN" altLang="en-US"/>
               <a:t>第三级</a:t>
             </a:r>
           </a:p>
           <a:p>
             <a:pPr lvl="3"/>
             <a:r>
-              <a:rPr lang="zh-CN" altLang="en-US" smtClean="0"/>
+              <a:rPr lang="zh-CN" altLang="en-US"/>
               <a:t>第四级</a:t>
             </a:r>
           </a:p>
           <a:p>
             <a:pPr lvl="4"/>
             <a:r>
-              <a:rPr lang="zh-CN" altLang="en-US" smtClean="0"/>
+              <a:rPr lang="zh-CN" altLang="en-US"/>
               <a:t>第五级</a:t>
             </a:r>
-            <a:endParaRPr lang="zh-CN" altLang="en-US"/>
           </a:p>
         </p:txBody>
       </p:sp>
@@ -4264,7 +4189,7 @@
           <a:p>
             <a:pPr lvl="0"/>
             <a:r>
-              <a:rPr lang="zh-CN" altLang="en-US" smtClean="0"/>
+              <a:rPr lang="zh-CN" altLang="en-US"/>
               <a:t>单击此处编辑母版文本样式</a:t>
             </a:r>
           </a:p>
@@ -4309,7 +4234,7 @@
                 </a:spcAft>
                 <a:defRPr/>
               </a:pPr>
-              <a:t>2015/9/29</a:t>
+              <a:t>2019/9/18</a:t>
             </a:fld>
             <a:endParaRPr lang="en-US" altLang="zh-CN">
               <a:solidFill>
@@ -4405,13 +4330,6 @@
   <p:clrMapOvr>
     <a:masterClrMapping/>
   </p:clrMapOvr>
-  <p:timing>
-    <p:tnLst>
-      <p:par>
-        <p:cTn id="1" dur="indefinite" restart="never" nodeType="tmRoot"/>
-      </p:par>
-    </p:tnLst>
-  </p:timing>
 </p:sldLayout>
 </file>
 
@@ -4457,10 +4375,9 @@
           </a:lstStyle>
           <a:p>
             <a:r>
-              <a:rPr lang="zh-CN" altLang="en-US" smtClean="0"/>
+              <a:rPr lang="zh-CN" altLang="en-US"/>
               <a:t>单击此处编辑母版标题样式</a:t>
             </a:r>
-            <a:endParaRPr lang="zh-CN" altLang="en-US"/>
           </a:p>
         </p:txBody>
       </p:sp>
@@ -4584,7 +4501,7 @@
           <a:p>
             <a:pPr lvl="0"/>
             <a:r>
-              <a:rPr lang="zh-CN" altLang="en-US" smtClean="0"/>
+              <a:rPr lang="zh-CN" altLang="en-US"/>
               <a:t>单击此处编辑母版文本样式</a:t>
             </a:r>
           </a:p>
@@ -4629,7 +4546,7 @@
                 </a:spcAft>
                 <a:defRPr/>
               </a:pPr>
-              <a:t>2015/9/29</a:t>
+              <a:t>2019/9/18</a:t>
             </a:fld>
             <a:endParaRPr lang="en-US" altLang="zh-CN">
               <a:solidFill>
@@ -4725,13 +4642,6 @@
   <p:clrMapOvr>
     <a:masterClrMapping/>
   </p:clrMapOvr>
-  <p:timing>
-    <p:tnLst>
-      <p:par>
-        <p:cTn id="1" dur="indefinite" restart="never" nodeType="tmRoot"/>
-      </p:par>
-    </p:tnLst>
-  </p:timing>
 </p:sldLayout>
 </file>
 
@@ -4783,10 +4693,9 @@
           <a:lstStyle/>
           <a:p>
             <a:r>
-              <a:rPr lang="zh-CN" altLang="en-US" smtClean="0"/>
+              <a:rPr lang="zh-CN" altLang="en-US"/>
               <a:t>单击此处编辑母版标题样式</a:t>
             </a:r>
-            <a:endParaRPr lang="zh-CN" altLang="en-US"/>
           </a:p>
         </p:txBody>
       </p:sp>
@@ -4817,38 +4726,37 @@
           <a:p>
             <a:pPr lvl="0"/>
             <a:r>
-              <a:rPr lang="zh-CN" altLang="en-US" smtClean="0"/>
+              <a:rPr lang="zh-CN" altLang="en-US"/>
               <a:t>单击此处编辑母版文本样式</a:t>
             </a:r>
           </a:p>
           <a:p>
             <a:pPr lvl="1"/>
             <a:r>
-              <a:rPr lang="zh-CN" altLang="en-US" smtClean="0"/>
+              <a:rPr lang="zh-CN" altLang="en-US"/>
               <a:t>第二级</a:t>
             </a:r>
           </a:p>
           <a:p>
             <a:pPr lvl="2"/>
             <a:r>
-              <a:rPr lang="zh-CN" altLang="en-US" smtClean="0"/>
+              <a:rPr lang="zh-CN" altLang="en-US"/>
               <a:t>第三级</a:t>
             </a:r>
           </a:p>
           <a:p>
             <a:pPr lvl="3"/>
             <a:r>
-              <a:rPr lang="zh-CN" altLang="en-US" smtClean="0"/>
+              <a:rPr lang="zh-CN" altLang="en-US"/>
               <a:t>第四级</a:t>
             </a:r>
           </a:p>
           <a:p>
             <a:pPr lvl="4"/>
             <a:r>
-              <a:rPr lang="zh-CN" altLang="en-US" smtClean="0"/>
+              <a:rPr lang="zh-CN" altLang="en-US"/>
               <a:t>第五级</a:t>
             </a:r>
-            <a:endParaRPr lang="zh-CN" altLang="en-US"/>
           </a:p>
         </p:txBody>
       </p:sp>
@@ -4891,7 +4799,7 @@
               <a:pPr>
                 <a:defRPr/>
               </a:pPr>
-              <a:t>2015/9/29</a:t>
+              <a:t>2019/9/18</a:t>
             </a:fld>
             <a:endParaRPr lang="zh-CN" altLang="en-US" dirty="0"/>
           </a:p>
@@ -5165,13 +5073,6 @@
   <p:transition spd="slow">
     <p:pull dir="ru"/>
   </p:transition>
-  <p:timing>
-    <p:tnLst>
-      <p:par>
-        <p:cTn id="1" dur="indefinite" restart="never" nodeType="tmRoot"/>
-      </p:par>
-    </p:tnLst>
-  </p:timing>
   <p:hf hdr="0" ftr="0"/>
   <p:txStyles>
     <p:titleStyle>
@@ -5480,30 +5381,11 @@
               </a:lnSpc>
             </a:pPr>
             <a:r>
-              <a:rPr lang="zh-CN" altLang="en-US" sz="4400" b="1" dirty="0" smtClean="0">
+              <a:rPr lang="zh-CN" altLang="en-US" sz="4400" b="1" dirty="0">
                 <a:ea typeface="黑体" pitchFamily="49" charset="-122"/>
               </a:rPr>
-              <a:t>自动化标本库管理控制</a:t>
-            </a:r>
-            <a:endParaRPr lang="en-US" altLang="zh-CN" sz="4400" b="1" dirty="0" smtClean="0">
-              <a:ea typeface="黑体" pitchFamily="49" charset="-122"/>
-            </a:endParaRPr>
-          </a:p>
-          <a:p>
-            <a:pPr algn="ctr">
-              <a:lnSpc>
-                <a:spcPct val="150000"/>
-              </a:lnSpc>
-            </a:pPr>
-            <a:r>
-              <a:rPr lang="zh-CN" altLang="en-US" sz="4400" b="1" dirty="0" smtClean="0">
-                <a:ea typeface="黑体" pitchFamily="49" charset="-122"/>
-              </a:rPr>
-              <a:t>系统设计</a:t>
-            </a:r>
-            <a:endParaRPr lang="zh-CN" altLang="en-US" sz="4400" b="1" dirty="0">
-              <a:ea typeface="黑体" pitchFamily="49" charset="-122"/>
-            </a:endParaRPr>
+              <a:t>智能捡网球机器人设计与开发</a:t>
+            </a:r>
           </a:p>
         </p:txBody>
       </p:sp>
@@ -5539,14 +5421,14 @@
           <a:p>
             <a:pPr algn="ctr"/>
             <a:r>
-              <a:rPr lang="zh-CN" altLang="en-US" sz="2800" dirty="0" smtClean="0">
+              <a:rPr lang="zh-CN" altLang="en-US" sz="2800" dirty="0">
                 <a:latin typeface="华文行楷" pitchFamily="2" charset="-122"/>
                 <a:ea typeface="华文行楷" pitchFamily="2" charset="-122"/>
                 <a:sym typeface="方正瘦金书简体" pitchFamily="65" charset="-122"/>
               </a:rPr>
-              <a:t>汇  报  人：龙雨泽</a:t>
-            </a:r>
-            <a:endParaRPr lang="en-US" altLang="zh-CN" sz="2800" dirty="0" smtClean="0">
+              <a:t>       汇  报  人：张峥</a:t>
+            </a:r>
+            <a:endParaRPr lang="en-US" altLang="zh-CN" sz="2800" dirty="0">
               <a:latin typeface="华文行楷" pitchFamily="2" charset="-122"/>
               <a:ea typeface="华文行楷" pitchFamily="2" charset="-122"/>
               <a:sym typeface="方正瘦金书简体" pitchFamily="65" charset="-122"/>
@@ -5555,18 +5437,21 @@
           <a:p>
             <a:pPr algn="ctr"/>
             <a:r>
-              <a:rPr lang="zh-CN" altLang="en-US" sz="2800" dirty="0" smtClean="0">
+              <a:rPr lang="en-US" altLang="zh-CN" sz="2800" dirty="0">
                 <a:latin typeface="华文行楷" pitchFamily="2" charset="-122"/>
                 <a:ea typeface="华文行楷" pitchFamily="2" charset="-122"/>
                 <a:sym typeface="方正瘦金书简体" pitchFamily="65" charset="-122"/>
               </a:rPr>
-              <a:t>指导老师：路敦民</a:t>
-            </a:r>
-            <a:endParaRPr lang="zh-CN" altLang="en-US" sz="2800" dirty="0">
-              <a:latin typeface="华文行楷" pitchFamily="2" charset="-122"/>
-              <a:ea typeface="华文行楷" pitchFamily="2" charset="-122"/>
-              <a:sym typeface="方正瘦金书简体" pitchFamily="65" charset="-122"/>
-            </a:endParaRPr>
+              <a:t>	</a:t>
+            </a:r>
+            <a:r>
+              <a:rPr lang="zh-CN" altLang="en-US" sz="2800" dirty="0">
+                <a:latin typeface="华文行楷" pitchFamily="2" charset="-122"/>
+                <a:ea typeface="华文行楷" pitchFamily="2" charset="-122"/>
+                <a:sym typeface="方正瘦金书简体" pitchFamily="65" charset="-122"/>
+              </a:rPr>
+              <a:t>指导老师：肖爱平</a:t>
+            </a:r>
           </a:p>
         </p:txBody>
       </p:sp>
@@ -5576,16 +5461,6 @@
     <a:masterClrMapping/>
   </p:clrMapOvr>
   <p:transition/>
-  <p:timing>
-    <p:tnLst>
-      <p:par>
-        <p:cTn id="1" dur="indefinite" restart="never" nodeType="tmRoot"/>
-      </p:par>
-    </p:tnLst>
-    <p:bldLst>
-      <p:bldP spid="5139" grpId="0" bldLvl="0" autoUpdateAnimBg="0"/>
-    </p:bldLst>
-  </p:timing>
 </p:sld>
 </file>
 
@@ -5629,20 +5504,16 @@
           <a:lstStyle/>
           <a:p>
             <a:r>
-              <a:rPr lang="en-US" altLang="zh-CN" sz="3600" b="1" dirty="0" smtClean="0"/>
+              <a:rPr lang="en-US" altLang="zh-CN" sz="3600" b="1" dirty="0"/>
               <a:t> </a:t>
             </a:r>
             <a:r>
-              <a:rPr lang="zh-CN" altLang="en-US" sz="4000" dirty="0" smtClean="0">
+              <a:rPr lang="zh-CN" altLang="en-US" sz="4000" dirty="0">
                 <a:latin typeface="华文行楷" pitchFamily="2" charset="-122"/>
                 <a:ea typeface="华文行楷" pitchFamily="2" charset="-122"/>
               </a:rPr>
               <a:t>已完成相关工作</a:t>
             </a:r>
-            <a:endParaRPr lang="zh-CN" altLang="en-US" sz="4000" dirty="0">
-              <a:latin typeface="华文行楷" pitchFamily="2" charset="-122"/>
-              <a:ea typeface="华文行楷" pitchFamily="2" charset="-122"/>
-            </a:endParaRPr>
           </a:p>
         </p:txBody>
       </p:sp>
@@ -5674,49 +5545,42 @@
               </a:lnSpc>
             </a:pPr>
             <a:r>
-              <a:rPr lang="en-US" altLang="zh-CN" sz="2400" dirty="0" smtClean="0">
+              <a:rPr lang="en-US" altLang="zh-CN" sz="2400" dirty="0">
                 <a:latin typeface="黑体" pitchFamily="49" charset="-122"/>
                 <a:ea typeface="黑体" pitchFamily="49" charset="-122"/>
               </a:rPr>
               <a:t>1.</a:t>
             </a:r>
             <a:r>
-              <a:rPr lang="zh-CN" altLang="en-US" sz="2400" dirty="0" smtClean="0">
+              <a:rPr lang="zh-CN" altLang="en-US" sz="2400" dirty="0">
                 <a:latin typeface="黑体" pitchFamily="49" charset="-122"/>
                 <a:ea typeface="黑体" pitchFamily="49" charset="-122"/>
               </a:rPr>
-              <a:t>在</a:t>
-            </a:r>
-            <a:r>
-              <a:rPr lang="zh-CN" altLang="en-US" sz="2400" dirty="0" smtClean="0">
+              <a:t>在研一期间，在导师指导下已经系统学习了</a:t>
+            </a:r>
+            <a:r>
+              <a:rPr lang="en-US" sz="2400" dirty="0">
                 <a:latin typeface="黑体" pitchFamily="49" charset="-122"/>
                 <a:ea typeface="黑体" pitchFamily="49" charset="-122"/>
               </a:rPr>
-              <a:t>研一期间，在导师指导下已经系统学习了</a:t>
-            </a:r>
-            <a:r>
-              <a:rPr lang="en-US" sz="2400" dirty="0" smtClean="0">
+              <a:t>LabVIEW</a:t>
+            </a:r>
+            <a:r>
+              <a:rPr lang="zh-CN" altLang="en-US" sz="2400" dirty="0">
                 <a:latin typeface="黑体" pitchFamily="49" charset="-122"/>
                 <a:ea typeface="黑体" pitchFamily="49" charset="-122"/>
               </a:rPr>
-              <a:t>LabVIEW</a:t>
-            </a:r>
-            <a:r>
-              <a:rPr lang="zh-CN" altLang="en-US" sz="2400" dirty="0" smtClean="0">
+              <a:t>的相关知识和台达</a:t>
+            </a:r>
+            <a:r>
+              <a:rPr lang="en-US" sz="2400" dirty="0">
                 <a:latin typeface="黑体" pitchFamily="49" charset="-122"/>
                 <a:ea typeface="黑体" pitchFamily="49" charset="-122"/>
               </a:rPr>
-              <a:t>的相关知识和台达</a:t>
-            </a:r>
-            <a:r>
-              <a:rPr lang="en-US" sz="2400" dirty="0" smtClean="0">
-                <a:latin typeface="黑体" pitchFamily="49" charset="-122"/>
-                <a:ea typeface="黑体" pitchFamily="49" charset="-122"/>
-              </a:rPr>
               <a:t>PLC</a:t>
             </a:r>
             <a:r>
-              <a:rPr lang="zh-CN" altLang="en-US" sz="2400" dirty="0" smtClean="0">
+              <a:rPr lang="zh-CN" altLang="en-US" sz="2400" dirty="0">
                 <a:latin typeface="黑体" pitchFamily="49" charset="-122"/>
                 <a:ea typeface="黑体" pitchFamily="49" charset="-122"/>
               </a:rPr>
@@ -5730,63 +5594,42 @@
               </a:lnSpc>
             </a:pPr>
             <a:r>
-              <a:rPr lang="en-US" altLang="zh-CN" sz="2400" dirty="0" smtClean="0">
+              <a:rPr lang="en-US" altLang="zh-CN" sz="2400" dirty="0">
                 <a:latin typeface="黑体" pitchFamily="49" charset="-122"/>
                 <a:ea typeface="黑体" pitchFamily="49" charset="-122"/>
               </a:rPr>
               <a:t>2.</a:t>
             </a:r>
             <a:r>
-              <a:rPr lang="zh-CN" altLang="en-US" sz="2400" dirty="0" smtClean="0">
+              <a:rPr lang="zh-CN" altLang="en-US" sz="2400" dirty="0">
                 <a:latin typeface="黑体" pitchFamily="49" charset="-122"/>
                 <a:ea typeface="黑体" pitchFamily="49" charset="-122"/>
               </a:rPr>
-              <a:t>本</a:t>
-            </a:r>
-            <a:r>
-              <a:rPr lang="zh-CN" altLang="en-US" sz="2400" dirty="0" smtClean="0">
+              <a:t>本课题的相关硬件已经购买完毕，其中台达</a:t>
+            </a:r>
+            <a:r>
+              <a:rPr lang="en-US" sz="2400" dirty="0">
                 <a:latin typeface="黑体" pitchFamily="49" charset="-122"/>
                 <a:ea typeface="黑体" pitchFamily="49" charset="-122"/>
               </a:rPr>
-              <a:t>课题的相关硬件已经购买</a:t>
-            </a:r>
-            <a:r>
-              <a:rPr lang="zh-CN" altLang="en-US" sz="2400" dirty="0" smtClean="0">
+              <a:t>PLC</a:t>
+            </a:r>
+            <a:r>
+              <a:rPr lang="zh-CN" altLang="en-US" sz="2400" dirty="0">
                 <a:latin typeface="黑体" pitchFamily="49" charset="-122"/>
                 <a:ea typeface="黑体" pitchFamily="49" charset="-122"/>
               </a:rPr>
-              <a:t>完毕，</a:t>
-            </a:r>
-            <a:r>
-              <a:rPr lang="zh-CN" altLang="en-US" sz="2400" dirty="0" smtClean="0">
+              <a:t>已经经过简单的程序运行测试，功能正常，可以完成与上位机</a:t>
+            </a:r>
+            <a:r>
+              <a:rPr lang="en-US" sz="2400" dirty="0">
                 <a:latin typeface="黑体" pitchFamily="49" charset="-122"/>
                 <a:ea typeface="黑体" pitchFamily="49" charset="-122"/>
               </a:rPr>
-              <a:t>其中台达</a:t>
-            </a:r>
-            <a:r>
-              <a:rPr lang="en-US" sz="2400" dirty="0" smtClean="0">
-                <a:latin typeface="黑体" pitchFamily="49" charset="-122"/>
-                <a:ea typeface="黑体" pitchFamily="49" charset="-122"/>
-              </a:rPr>
-              <a:t>PLC</a:t>
-            </a:r>
-            <a:r>
-              <a:rPr lang="zh-CN" altLang="en-US" sz="2400" dirty="0" smtClean="0">
-                <a:latin typeface="黑体" pitchFamily="49" charset="-122"/>
-                <a:ea typeface="黑体" pitchFamily="49" charset="-122"/>
-              </a:rPr>
-              <a:t>已经经过简单的程序运行测试，功能正常，可以完成与上位机</a:t>
-            </a:r>
-            <a:r>
-              <a:rPr lang="en-US" sz="2400" dirty="0" smtClean="0">
-                <a:latin typeface="黑体" pitchFamily="49" charset="-122"/>
-                <a:ea typeface="黑体" pitchFamily="49" charset="-122"/>
-              </a:rPr>
               <a:t>--</a:t>
             </a:r>
             <a:r>
-              <a:rPr lang="zh-CN" altLang="en-US" sz="2400" dirty="0" smtClean="0">
+              <a:rPr lang="zh-CN" altLang="en-US" sz="2400" dirty="0">
                 <a:latin typeface="黑体" pitchFamily="49" charset="-122"/>
                 <a:ea typeface="黑体" pitchFamily="49" charset="-122"/>
               </a:rPr>
@@ -5801,7 +5644,7 @@
     </p:spTree>
     <p:extLst>
       <p:ext uri="{BB962C8B-B14F-4D97-AF65-F5344CB8AC3E}">
-        <p14:creationId xmlns="" xmlns:p14="http://schemas.microsoft.com/office/powerpoint/2010/main" val="349378917"/>
+        <p14:creationId xmlns:p14="http://schemas.microsoft.com/office/powerpoint/2010/main" val="349378917"/>
       </p:ext>
     </p:extLst>
   </p:cSld>
@@ -5809,13 +5652,6 @@
     <a:masterClrMapping/>
   </p:clrMapOvr>
   <p:transition spd="slow"/>
-  <p:timing>
-    <p:tnLst>
-      <p:par>
-        <p:cTn id="1" dur="indefinite" restart="never" nodeType="tmRoot"/>
-      </p:par>
-    </p:tnLst>
-  </p:timing>
 </p:sld>
 </file>
 
@@ -5859,20 +5695,16 @@
           <a:lstStyle/>
           <a:p>
             <a:r>
-              <a:rPr lang="en-US" altLang="zh-CN" sz="3600" b="1" dirty="0" smtClean="0"/>
+              <a:rPr lang="en-US" altLang="zh-CN" sz="3600" b="1" dirty="0"/>
               <a:t> </a:t>
             </a:r>
             <a:r>
-              <a:rPr lang="zh-CN" altLang="en-US" sz="4000" dirty="0" smtClean="0">
+              <a:rPr lang="zh-CN" altLang="en-US" sz="4000" dirty="0">
                 <a:latin typeface="华文行楷" pitchFamily="2" charset="-122"/>
                 <a:ea typeface="华文行楷" pitchFamily="2" charset="-122"/>
               </a:rPr>
               <a:t>自动化标本库硬件结构原理图</a:t>
             </a:r>
-            <a:endParaRPr lang="zh-CN" altLang="en-US" sz="4000" dirty="0">
-              <a:latin typeface="华文行楷" pitchFamily="2" charset="-122"/>
-              <a:ea typeface="华文行楷" pitchFamily="2" charset="-122"/>
-            </a:endParaRPr>
           </a:p>
         </p:txBody>
       </p:sp>
@@ -5904,10 +5736,10 @@
               </a:lnSpc>
             </a:pPr>
             <a:r>
-              <a:rPr lang="zh-CN" altLang="en-US" dirty="0" smtClean="0"/>
+              <a:rPr lang="zh-CN" altLang="en-US" dirty="0"/>
               <a:t>             </a:t>
             </a:r>
-            <a:endParaRPr lang="zh-CN" altLang="en-US" sz="2400" dirty="0" smtClean="0">
+            <a:endParaRPr lang="zh-CN" altLang="en-US" sz="2400" dirty="0">
               <a:latin typeface="黑体" pitchFamily="49" charset="-122"/>
               <a:ea typeface="黑体" pitchFamily="49" charset="-122"/>
             </a:endParaRPr>
@@ -5944,7 +5776,7 @@
     </p:spTree>
     <p:extLst>
       <p:ext uri="{BB962C8B-B14F-4D97-AF65-F5344CB8AC3E}">
-        <p14:creationId xmlns="" xmlns:p14="http://schemas.microsoft.com/office/powerpoint/2010/main" val="349378917"/>
+        <p14:creationId xmlns:p14="http://schemas.microsoft.com/office/powerpoint/2010/main" val="349378917"/>
       </p:ext>
     </p:extLst>
   </p:cSld>
@@ -5952,13 +5784,6 @@
     <a:masterClrMapping/>
   </p:clrMapOvr>
   <p:transition spd="slow"/>
-  <p:timing>
-    <p:tnLst>
-      <p:par>
-        <p:cTn id="1" dur="indefinite" restart="never" nodeType="tmRoot"/>
-      </p:par>
-    </p:tnLst>
-  </p:timing>
 </p:sld>
 </file>
 
@@ -6002,20 +5827,16 @@
           <a:lstStyle/>
           <a:p>
             <a:r>
-              <a:rPr lang="en-US" altLang="zh-CN" sz="3600" b="1" dirty="0" smtClean="0"/>
+              <a:rPr lang="en-US" altLang="zh-CN" sz="3600" b="1" dirty="0"/>
               <a:t> </a:t>
             </a:r>
             <a:r>
-              <a:rPr lang="zh-CN" altLang="en-US" sz="4000" dirty="0" smtClean="0">
+              <a:rPr lang="zh-CN" altLang="en-US" sz="4000" dirty="0">
                 <a:latin typeface="华文行楷" pitchFamily="2" charset="-122"/>
                 <a:ea typeface="华文行楷" pitchFamily="2" charset="-122"/>
               </a:rPr>
               <a:t>硬件实物图</a:t>
             </a:r>
-            <a:endParaRPr lang="zh-CN" altLang="en-US" sz="4000" dirty="0">
-              <a:latin typeface="华文行楷" pitchFamily="2" charset="-122"/>
-              <a:ea typeface="华文行楷" pitchFamily="2" charset="-122"/>
-            </a:endParaRPr>
           </a:p>
         </p:txBody>
       </p:sp>
@@ -6047,10 +5868,10 @@
               </a:lnSpc>
             </a:pPr>
             <a:r>
-              <a:rPr lang="zh-CN" altLang="en-US" dirty="0" smtClean="0"/>
+              <a:rPr lang="zh-CN" altLang="en-US" dirty="0"/>
               <a:t>             </a:t>
             </a:r>
-            <a:endParaRPr lang="zh-CN" altLang="en-US" sz="2400" dirty="0" smtClean="0">
+            <a:endParaRPr lang="zh-CN" altLang="en-US" sz="2400" dirty="0">
               <a:latin typeface="黑体" pitchFamily="49" charset="-122"/>
               <a:ea typeface="黑体" pitchFamily="49" charset="-122"/>
             </a:endParaRPr>
@@ -6093,7 +5914,7 @@
     </p:spTree>
     <p:extLst>
       <p:ext uri="{BB962C8B-B14F-4D97-AF65-F5344CB8AC3E}">
-        <p14:creationId xmlns="" xmlns:p14="http://schemas.microsoft.com/office/powerpoint/2010/main" val="349378917"/>
+        <p14:creationId xmlns:p14="http://schemas.microsoft.com/office/powerpoint/2010/main" val="349378917"/>
       </p:ext>
     </p:extLst>
   </p:cSld>
@@ -6101,13 +5922,6 @@
     <a:masterClrMapping/>
   </p:clrMapOvr>
   <p:transition spd="slow"/>
-  <p:timing>
-    <p:tnLst>
-      <p:par>
-        <p:cTn id="1" dur="indefinite" restart="never" nodeType="tmRoot"/>
-      </p:par>
-    </p:tnLst>
-  </p:timing>
 </p:sld>
 </file>
 
@@ -6151,20 +5965,16 @@
           <a:lstStyle/>
           <a:p>
             <a:r>
-              <a:rPr lang="en-US" altLang="zh-CN" sz="3600" b="1" dirty="0" smtClean="0"/>
+              <a:rPr lang="en-US" altLang="zh-CN" sz="3600" b="1" dirty="0"/>
               <a:t> </a:t>
             </a:r>
             <a:r>
-              <a:rPr lang="zh-CN" altLang="en-US" sz="4000" dirty="0" smtClean="0">
+              <a:rPr lang="zh-CN" altLang="en-US" sz="4000" dirty="0">
                 <a:latin typeface="华文行楷" pitchFamily="2" charset="-122"/>
                 <a:ea typeface="华文行楷" pitchFamily="2" charset="-122"/>
               </a:rPr>
               <a:t>研究计划和预期研究结果</a:t>
             </a:r>
-            <a:endParaRPr lang="zh-CN" altLang="en-US" sz="4000" dirty="0">
-              <a:latin typeface="华文行楷" pitchFamily="2" charset="-122"/>
-              <a:ea typeface="华文行楷" pitchFamily="2" charset="-122"/>
-            </a:endParaRPr>
           </a:p>
         </p:txBody>
       </p:sp>
@@ -6196,31 +6006,17 @@
               </a:lnSpc>
             </a:pPr>
             <a:r>
-              <a:rPr lang="zh-CN" altLang="en-US" dirty="0" smtClean="0"/>
+              <a:rPr lang="zh-CN" altLang="en-US" dirty="0"/>
               <a:t> </a:t>
             </a:r>
             <a:r>
-              <a:rPr lang="zh-CN" altLang="en-US" sz="2400" b="1" dirty="0" smtClean="0">
+              <a:rPr lang="zh-CN" altLang="en-US" sz="2400" b="1" dirty="0">
                 <a:latin typeface="黑体" pitchFamily="49" charset="-122"/>
                 <a:ea typeface="黑体" pitchFamily="49" charset="-122"/>
               </a:rPr>
-              <a:t>研究</a:t>
-            </a:r>
-            <a:r>
-              <a:rPr lang="zh-CN" altLang="en-US" sz="2400" b="1" dirty="0" smtClean="0">
-                <a:latin typeface="黑体" pitchFamily="49" charset="-122"/>
-                <a:ea typeface="黑体" pitchFamily="49" charset="-122"/>
-              </a:rPr>
-              <a:t>计划</a:t>
-            </a:r>
-            <a:r>
-              <a:rPr lang="zh-CN" altLang="en-US" sz="2400" b="1" dirty="0" smtClean="0">
-                <a:latin typeface="黑体" pitchFamily="49" charset="-122"/>
-                <a:ea typeface="黑体" pitchFamily="49" charset="-122"/>
-              </a:rPr>
-              <a:t>：</a:t>
-            </a:r>
-            <a:endParaRPr lang="en-US" altLang="zh-CN" sz="2400" b="1" dirty="0" smtClean="0">
+              <a:t>研究计划：</a:t>
+            </a:r>
+            <a:endParaRPr lang="en-US" altLang="zh-CN" sz="2400" b="1" dirty="0">
               <a:latin typeface="黑体" pitchFamily="49" charset="-122"/>
               <a:ea typeface="黑体" pitchFamily="49" charset="-122"/>
             </a:endParaRPr>
@@ -6232,27 +6028,20 @@
               </a:lnSpc>
             </a:pPr>
             <a:r>
-              <a:rPr lang="en-US" altLang="en-US" sz="2400" dirty="0" smtClean="0">
+              <a:rPr lang="en-US" altLang="en-US" sz="2400" dirty="0">
                 <a:latin typeface="黑体" pitchFamily="49" charset="-122"/>
                 <a:ea typeface="黑体" pitchFamily="49" charset="-122"/>
               </a:rPr>
               <a:t>2015.09-2015.10</a:t>
             </a:r>
             <a:r>
-              <a:rPr lang="zh-CN" altLang="en-US" sz="2400" dirty="0" smtClean="0">
+              <a:rPr lang="zh-CN" altLang="en-US" sz="2400" dirty="0">
                 <a:latin typeface="黑体" pitchFamily="49" charset="-122"/>
                 <a:ea typeface="黑体" pitchFamily="49" charset="-122"/>
               </a:rPr>
-              <a:t>：自动化标本库硬件结构的工作原理</a:t>
-            </a:r>
-            <a:r>
-              <a:rPr lang="zh-CN" altLang="en-US" sz="2400" dirty="0" smtClean="0">
-                <a:latin typeface="黑体" pitchFamily="49" charset="-122"/>
-                <a:ea typeface="黑体" pitchFamily="49" charset="-122"/>
-              </a:rPr>
-              <a:t>并                   </a:t>
-            </a:r>
-            <a:endParaRPr lang="en-US" altLang="zh-CN" sz="2400" dirty="0" smtClean="0">
+              <a:t>：自动化标本库硬件结构的工作原理并                   </a:t>
+            </a:r>
+            <a:endParaRPr lang="en-US" altLang="zh-CN" sz="2400" dirty="0">
               <a:latin typeface="黑体" pitchFamily="49" charset="-122"/>
               <a:ea typeface="黑体" pitchFamily="49" charset="-122"/>
             </a:endParaRPr>
@@ -6264,25 +6053,18 @@
               </a:lnSpc>
             </a:pPr>
             <a:r>
-              <a:rPr lang="en-US" altLang="zh-CN" sz="2400" dirty="0" smtClean="0">
+              <a:rPr lang="en-US" altLang="zh-CN" sz="2400" dirty="0">
                 <a:latin typeface="黑体" pitchFamily="49" charset="-122"/>
                 <a:ea typeface="黑体" pitchFamily="49" charset="-122"/>
               </a:rPr>
               <a:t>                  </a:t>
             </a:r>
             <a:r>
-              <a:rPr lang="zh-CN" altLang="en-US" sz="2400" dirty="0" smtClean="0">
+              <a:rPr lang="zh-CN" altLang="en-US" sz="2400" dirty="0">
                 <a:latin typeface="黑体" pitchFamily="49" charset="-122"/>
                 <a:ea typeface="黑体" pitchFamily="49" charset="-122"/>
               </a:rPr>
-              <a:t>完成</a:t>
-            </a:r>
-            <a:r>
-              <a:rPr lang="zh-CN" altLang="en-US" sz="2400" dirty="0" smtClean="0">
-                <a:latin typeface="黑体" pitchFamily="49" charset="-122"/>
-                <a:ea typeface="黑体" pitchFamily="49" charset="-122"/>
-              </a:rPr>
-              <a:t>硬件的搭建。</a:t>
+              <a:t>完成硬件的搭建。</a:t>
             </a:r>
           </a:p>
           <a:p>
@@ -6292,49 +6074,28 @@
               </a:lnSpc>
             </a:pPr>
             <a:r>
-              <a:rPr lang="en-US" altLang="en-US" sz="2400" dirty="0" smtClean="0">
+              <a:rPr lang="en-US" altLang="en-US" sz="2400" dirty="0">
                 <a:latin typeface="黑体" pitchFamily="49" charset="-122"/>
                 <a:ea typeface="黑体" pitchFamily="49" charset="-122"/>
               </a:rPr>
               <a:t>2015.11-2015.12</a:t>
             </a:r>
             <a:r>
-              <a:rPr lang="zh-CN" altLang="en-US" sz="2400" dirty="0" smtClean="0">
+              <a:rPr lang="zh-CN" altLang="en-US" sz="2400" dirty="0">
                 <a:latin typeface="黑体" pitchFamily="49" charset="-122"/>
                 <a:ea typeface="黑体" pitchFamily="49" charset="-122"/>
               </a:rPr>
-              <a:t>：上位</a:t>
-            </a:r>
-            <a:r>
-              <a:rPr lang="zh-CN" altLang="en-US" sz="2400" dirty="0" smtClean="0">
+              <a:t>：上位机软件设计及</a:t>
+            </a:r>
+            <a:r>
+              <a:rPr lang="en-US" altLang="en-US" sz="2400" dirty="0">
                 <a:latin typeface="黑体" pitchFamily="49" charset="-122"/>
                 <a:ea typeface="黑体" pitchFamily="49" charset="-122"/>
               </a:rPr>
-              <a:t>机</a:t>
-            </a:r>
-            <a:r>
-              <a:rPr lang="zh-CN" altLang="en-US" sz="2400" dirty="0" smtClean="0">
-                <a:latin typeface="黑体" pitchFamily="49" charset="-122"/>
-                <a:ea typeface="黑体" pitchFamily="49" charset="-122"/>
-              </a:rPr>
-              <a:t>软件</a:t>
-            </a:r>
-            <a:r>
-              <a:rPr lang="zh-CN" altLang="en-US" sz="2400" dirty="0" smtClean="0">
-                <a:latin typeface="黑体" pitchFamily="49" charset="-122"/>
-                <a:ea typeface="黑体" pitchFamily="49" charset="-122"/>
-              </a:rPr>
-              <a:t>设计及</a:t>
-            </a:r>
-            <a:r>
-              <a:rPr lang="en-US" altLang="en-US" sz="2400" dirty="0" smtClean="0">
-                <a:latin typeface="黑体" pitchFamily="49" charset="-122"/>
-                <a:ea typeface="黑体" pitchFamily="49" charset="-122"/>
-              </a:rPr>
               <a:t>PLC</a:t>
             </a:r>
             <a:r>
-              <a:rPr lang="zh-CN" altLang="en-US" sz="2400" dirty="0" smtClean="0">
+              <a:rPr lang="zh-CN" altLang="en-US" sz="2400" dirty="0">
                 <a:latin typeface="黑体" pitchFamily="49" charset="-122"/>
                 <a:ea typeface="黑体" pitchFamily="49" charset="-122"/>
               </a:rPr>
@@ -6348,14 +6109,14 @@
               </a:lnSpc>
             </a:pPr>
             <a:r>
-              <a:rPr lang="en-US" altLang="en-US" sz="2400" dirty="0" smtClean="0">
+              <a:rPr lang="en-US" altLang="en-US" sz="2400" dirty="0">
                 <a:latin typeface="黑体" pitchFamily="49" charset="-122"/>
                 <a:ea typeface="黑体" pitchFamily="49" charset="-122"/>
               </a:rPr>
               <a:t>2016.01-2016.02</a:t>
             </a:r>
             <a:r>
-              <a:rPr lang="zh-CN" altLang="en-US" sz="2400" dirty="0" smtClean="0">
+              <a:rPr lang="zh-CN" altLang="en-US" sz="2400" dirty="0">
                 <a:latin typeface="黑体" pitchFamily="49" charset="-122"/>
                 <a:ea typeface="黑体" pitchFamily="49" charset="-122"/>
               </a:rPr>
@@ -6369,14 +6130,14 @@
               </a:lnSpc>
             </a:pPr>
             <a:r>
-              <a:rPr lang="en-US" altLang="en-US" sz="2400" dirty="0" smtClean="0">
+              <a:rPr lang="en-US" altLang="en-US" sz="2400" dirty="0">
                 <a:latin typeface="黑体" pitchFamily="49" charset="-122"/>
                 <a:ea typeface="黑体" pitchFamily="49" charset="-122"/>
               </a:rPr>
               <a:t>2016.03-2016.04</a:t>
             </a:r>
             <a:r>
-              <a:rPr lang="zh-CN" altLang="en-US" sz="2400" dirty="0" smtClean="0">
+              <a:rPr lang="zh-CN" altLang="en-US" sz="2400" dirty="0">
                 <a:latin typeface="黑体" pitchFamily="49" charset="-122"/>
                 <a:ea typeface="黑体" pitchFamily="49" charset="-122"/>
               </a:rPr>
@@ -6391,7 +6152,7 @@
     </p:spTree>
     <p:extLst>
       <p:ext uri="{BB962C8B-B14F-4D97-AF65-F5344CB8AC3E}">
-        <p14:creationId xmlns="" xmlns:p14="http://schemas.microsoft.com/office/powerpoint/2010/main" val="349378917"/>
+        <p14:creationId xmlns:p14="http://schemas.microsoft.com/office/powerpoint/2010/main" val="349378917"/>
       </p:ext>
     </p:extLst>
   </p:cSld>
@@ -6399,13 +6160,6 @@
     <a:masterClrMapping/>
   </p:clrMapOvr>
   <p:transition spd="slow"/>
-  <p:timing>
-    <p:tnLst>
-      <p:par>
-        <p:cTn id="1" dur="indefinite" restart="never" nodeType="tmRoot"/>
-      </p:par>
-    </p:tnLst>
-  </p:timing>
 </p:sld>
 </file>
 
@@ -6449,20 +6203,16 @@
           <a:lstStyle/>
           <a:p>
             <a:r>
-              <a:rPr lang="en-US" altLang="zh-CN" sz="3600" b="1" dirty="0" smtClean="0"/>
+              <a:rPr lang="en-US" altLang="zh-CN" sz="3600" b="1" dirty="0"/>
               <a:t> </a:t>
             </a:r>
             <a:r>
-              <a:rPr lang="zh-CN" altLang="en-US" sz="4000" dirty="0" smtClean="0">
+              <a:rPr lang="zh-CN" altLang="en-US" sz="4000" dirty="0">
                 <a:latin typeface="华文行楷" pitchFamily="2" charset="-122"/>
                 <a:ea typeface="华文行楷" pitchFamily="2" charset="-122"/>
               </a:rPr>
               <a:t>研究计划和预期研究结果</a:t>
             </a:r>
-            <a:endParaRPr lang="zh-CN" altLang="en-US" sz="4000" dirty="0">
-              <a:latin typeface="华文行楷" pitchFamily="2" charset="-122"/>
-              <a:ea typeface="华文行楷" pitchFamily="2" charset="-122"/>
-            </a:endParaRPr>
           </a:p>
         </p:txBody>
       </p:sp>
@@ -6494,17 +6244,17 @@
               </a:lnSpc>
             </a:pPr>
             <a:r>
-              <a:rPr lang="zh-CN" altLang="en-US" dirty="0" smtClean="0"/>
+              <a:rPr lang="zh-CN" altLang="en-US" dirty="0"/>
               <a:t> </a:t>
             </a:r>
             <a:r>
-              <a:rPr lang="zh-CN" altLang="en-US" sz="2400" b="1" dirty="0" smtClean="0">
+              <a:rPr lang="zh-CN" altLang="en-US" sz="2400" b="1" dirty="0">
                 <a:latin typeface="黑体" pitchFamily="49" charset="-122"/>
                 <a:ea typeface="黑体" pitchFamily="49" charset="-122"/>
               </a:rPr>
               <a:t>预期结果：</a:t>
             </a:r>
-            <a:endParaRPr lang="en-US" altLang="zh-CN" sz="2400" b="1" dirty="0" smtClean="0">
+            <a:endParaRPr lang="en-US" altLang="zh-CN" sz="2400" b="1" dirty="0">
               <a:latin typeface="黑体" pitchFamily="49" charset="-122"/>
               <a:ea typeface="黑体" pitchFamily="49" charset="-122"/>
             </a:endParaRPr>
@@ -6516,18 +6266,11 @@
               </a:lnSpc>
             </a:pPr>
             <a:r>
-              <a:rPr lang="zh-CN" altLang="en-US" sz="2400" dirty="0" smtClean="0">
+              <a:rPr lang="zh-CN" altLang="en-US" sz="2400" dirty="0">
                 <a:latin typeface="黑体" pitchFamily="49" charset="-122"/>
                 <a:ea typeface="黑体" pitchFamily="49" charset="-122"/>
               </a:rPr>
-              <a:t>    实现</a:t>
-            </a:r>
-            <a:r>
-              <a:rPr lang="zh-CN" altLang="en-US" sz="2400" dirty="0" smtClean="0">
-                <a:latin typeface="黑体" pitchFamily="49" charset="-122"/>
-                <a:ea typeface="黑体" pitchFamily="49" charset="-122"/>
-              </a:rPr>
-              <a:t>自动化标本库管理控制系统的标本库数据库管理、人机交互、标本存取等基本功能。</a:t>
+              <a:t>    实现自动化标本库管理控制系统的标本库数据库管理、人机交互、标本存取等基本功能。</a:t>
             </a:r>
           </a:p>
           <a:p>
@@ -6537,49 +6280,42 @@
               </a:lnSpc>
             </a:pPr>
             <a:r>
-              <a:rPr lang="en-US" sz="2400" dirty="0" smtClean="0">
+              <a:rPr lang="en-US" sz="2400" dirty="0">
                 <a:latin typeface="黑体" pitchFamily="49" charset="-122"/>
                 <a:ea typeface="黑体" pitchFamily="49" charset="-122"/>
               </a:rPr>
               <a:t>    </a:t>
             </a:r>
             <a:r>
-              <a:rPr lang="zh-CN" altLang="en-US" sz="2400" dirty="0" smtClean="0">
+              <a:rPr lang="zh-CN" altLang="en-US" sz="2400" dirty="0">
                 <a:latin typeface="黑体" pitchFamily="49" charset="-122"/>
                 <a:ea typeface="黑体" pitchFamily="49" charset="-122"/>
               </a:rPr>
-              <a:t>撰写</a:t>
-            </a:r>
-            <a:r>
-              <a:rPr lang="zh-CN" altLang="en-US" sz="2400" dirty="0" smtClean="0">
+              <a:t>撰写学术论文</a:t>
+            </a:r>
+            <a:r>
+              <a:rPr lang="en-US" sz="2400" dirty="0">
                 <a:latin typeface="黑体" pitchFamily="49" charset="-122"/>
                 <a:ea typeface="黑体" pitchFamily="49" charset="-122"/>
               </a:rPr>
-              <a:t>学术论文</a:t>
-            </a:r>
-            <a:r>
-              <a:rPr lang="en-US" sz="2400" dirty="0" smtClean="0">
+              <a:t>1</a:t>
+            </a:r>
+            <a:r>
+              <a:rPr lang="zh-CN" altLang="en-US" sz="2400" dirty="0">
                 <a:latin typeface="黑体" pitchFamily="49" charset="-122"/>
                 <a:ea typeface="黑体" pitchFamily="49" charset="-122"/>
               </a:rPr>
-              <a:t>1</a:t>
-            </a:r>
-            <a:r>
-              <a:rPr lang="zh-CN" altLang="en-US" sz="2400" dirty="0" smtClean="0">
+              <a:t>篇，毕业论文</a:t>
+            </a:r>
+            <a:r>
+              <a:rPr lang="en-US" sz="2400" dirty="0">
                 <a:latin typeface="黑体" pitchFamily="49" charset="-122"/>
                 <a:ea typeface="黑体" pitchFamily="49" charset="-122"/>
               </a:rPr>
-              <a:t>篇，毕业论文</a:t>
-            </a:r>
-            <a:r>
-              <a:rPr lang="en-US" sz="2400" dirty="0" smtClean="0">
-                <a:latin typeface="黑体" pitchFamily="49" charset="-122"/>
-                <a:ea typeface="黑体" pitchFamily="49" charset="-122"/>
-              </a:rPr>
               <a:t>1</a:t>
             </a:r>
             <a:r>
-              <a:rPr lang="zh-CN" altLang="en-US" sz="2400" dirty="0" smtClean="0">
+              <a:rPr lang="zh-CN" altLang="en-US" sz="2400" dirty="0">
                 <a:latin typeface="黑体" pitchFamily="49" charset="-122"/>
                 <a:ea typeface="黑体" pitchFamily="49" charset="-122"/>
               </a:rPr>
@@ -6594,7 +6330,7 @@
     </p:spTree>
     <p:extLst>
       <p:ext uri="{BB962C8B-B14F-4D97-AF65-F5344CB8AC3E}">
-        <p14:creationId xmlns="" xmlns:p14="http://schemas.microsoft.com/office/powerpoint/2010/main" val="349378917"/>
+        <p14:creationId xmlns:p14="http://schemas.microsoft.com/office/powerpoint/2010/main" val="349378917"/>
       </p:ext>
     </p:extLst>
   </p:cSld>
@@ -6602,13 +6338,6 @@
     <a:masterClrMapping/>
   </p:clrMapOvr>
   <p:transition spd="slow"/>
-  <p:timing>
-    <p:tnLst>
-      <p:par>
-        <p:cTn id="1" dur="indefinite" restart="never" nodeType="tmRoot"/>
-      </p:par>
-    </p:tnLst>
-  </p:timing>
 </p:sld>
 </file>
 
@@ -6653,23 +6382,19 @@
           <a:p>
             <a:pPr algn="ctr"/>
             <a:r>
-              <a:rPr lang="zh-CN" altLang="en-US" sz="4800" dirty="0" smtClean="0">
+              <a:rPr lang="zh-CN" altLang="en-US" sz="4800" dirty="0">
                 <a:latin typeface="Times New Roman" pitchFamily="18" charset="0"/>
                 <a:cs typeface="Times New Roman" pitchFamily="18" charset="0"/>
               </a:rPr>
               <a:t>请各位老师批评指正！</a:t>
             </a:r>
-            <a:endParaRPr lang="zh-CN" altLang="en-US" sz="4800" dirty="0">
-              <a:latin typeface="Times New Roman" pitchFamily="18" charset="0"/>
-              <a:cs typeface="Times New Roman" pitchFamily="18" charset="0"/>
-            </a:endParaRPr>
           </a:p>
         </p:txBody>
       </p:sp>
     </p:spTree>
     <p:extLst>
       <p:ext uri="{BB962C8B-B14F-4D97-AF65-F5344CB8AC3E}">
-        <p14:creationId xmlns="" xmlns:p14="http://schemas.microsoft.com/office/powerpoint/2010/main" val="349378917"/>
+        <p14:creationId xmlns:p14="http://schemas.microsoft.com/office/powerpoint/2010/main" val="349378917"/>
       </p:ext>
     </p:extLst>
   </p:cSld>
@@ -6677,13 +6402,6 @@
     <a:masterClrMapping/>
   </p:clrMapOvr>
   <p:transition spd="slow"/>
-  <p:timing>
-    <p:tnLst>
-      <p:par>
-        <p:cTn id="1" dur="indefinite" restart="never" nodeType="tmRoot"/>
-      </p:par>
-    </p:tnLst>
-  </p:timing>
 </p:sld>
 </file>
 
@@ -6735,16 +6453,12 @@
           <a:lstStyle/>
           <a:p>
             <a:r>
-              <a:rPr lang="zh-CN" altLang="en-US" sz="2400" dirty="0" smtClean="0">
+              <a:rPr lang="zh-CN" altLang="en-US" sz="2400" dirty="0">
                 <a:latin typeface="黑体" pitchFamily="49" charset="-122"/>
                 <a:ea typeface="黑体" pitchFamily="49" charset="-122"/>
               </a:rPr>
               <a:t>研究背景及意义</a:t>
             </a:r>
-            <a:endParaRPr lang="zh-CN" altLang="en-US" sz="2400" dirty="0">
-              <a:latin typeface="黑体" pitchFamily="49" charset="-122"/>
-              <a:ea typeface="黑体" pitchFamily="49" charset="-122"/>
-            </a:endParaRPr>
           </a:p>
         </p:txBody>
       </p:sp>
@@ -6779,23 +6493,12 @@
           <a:lstStyle/>
           <a:p>
             <a:r>
-              <a:rPr lang="zh-CN" altLang="en-US" sz="2400" dirty="0" smtClean="0">
+              <a:rPr lang="zh-CN" altLang="en-US" sz="2400" dirty="0">
                 <a:latin typeface="黑体" pitchFamily="49" charset="-122"/>
                 <a:ea typeface="黑体" pitchFamily="49" charset="-122"/>
               </a:rPr>
-              <a:t>研究</a:t>
-            </a:r>
-            <a:r>
-              <a:rPr lang="zh-CN" altLang="en-US" sz="2400" dirty="0" smtClean="0">
-                <a:latin typeface="黑体" pitchFamily="49" charset="-122"/>
-                <a:ea typeface="黑体" pitchFamily="49" charset="-122"/>
-              </a:rPr>
-              <a:t>目标和内容</a:t>
-            </a:r>
-            <a:endParaRPr lang="zh-CN" altLang="en-US" sz="2400" dirty="0">
-              <a:latin typeface="黑体" pitchFamily="49" charset="-122"/>
-              <a:ea typeface="黑体" pitchFamily="49" charset="-122"/>
-            </a:endParaRPr>
+              <a:t>研究目标和内容</a:t>
+            </a:r>
           </a:p>
         </p:txBody>
       </p:sp>
@@ -7030,16 +6733,12 @@
           <a:lstStyle/>
           <a:p>
             <a:r>
-              <a:rPr lang="zh-CN" altLang="en-US" sz="2400" dirty="0" smtClean="0">
+              <a:rPr lang="zh-CN" altLang="en-US" sz="2400" dirty="0">
                 <a:latin typeface="黑体" pitchFamily="49" charset="-122"/>
                 <a:ea typeface="黑体" pitchFamily="49" charset="-122"/>
               </a:rPr>
               <a:t>已完成相关工作</a:t>
             </a:r>
-            <a:endParaRPr lang="zh-CN" altLang="en-US" sz="2400" dirty="0">
-              <a:latin typeface="黑体" pitchFamily="49" charset="-122"/>
-              <a:ea typeface="黑体" pitchFamily="49" charset="-122"/>
-            </a:endParaRPr>
           </a:p>
         </p:txBody>
       </p:sp>
@@ -7074,7 +6773,7 @@
           <a:lstStyle/>
           <a:p>
             <a:r>
-              <a:rPr lang="en-US" altLang="zh-CN" sz="8000" dirty="0" smtClean="0">
+              <a:rPr lang="en-US" altLang="zh-CN" sz="8000" dirty="0">
                 <a:solidFill>
                   <a:srgbClr val="548123"/>
                 </a:solidFill>
@@ -7122,30 +6821,12 @@
           <a:lstStyle/>
           <a:p>
             <a:r>
-              <a:rPr lang="zh-CN" altLang="en-US" sz="2400" dirty="0" smtClean="0">
+              <a:rPr lang="zh-CN" altLang="en-US" sz="2400" dirty="0">
                 <a:latin typeface="黑体" pitchFamily="49" charset="-122"/>
                 <a:ea typeface="黑体" pitchFamily="49" charset="-122"/>
               </a:rPr>
-              <a:t>研究计划</a:t>
-            </a:r>
-            <a:r>
-              <a:rPr lang="zh-CN" altLang="en-US" sz="2400" dirty="0" smtClean="0">
-                <a:latin typeface="黑体" pitchFamily="49" charset="-122"/>
-                <a:ea typeface="黑体" pitchFamily="49" charset="-122"/>
-              </a:rPr>
-              <a:t>和</a:t>
-            </a:r>
-            <a:r>
-              <a:rPr lang="zh-CN" altLang="en-US" sz="2400" dirty="0" smtClean="0">
-                <a:latin typeface="黑体" pitchFamily="49" charset="-122"/>
-                <a:ea typeface="黑体" pitchFamily="49" charset="-122"/>
-              </a:rPr>
-              <a:t>预期结果</a:t>
-            </a:r>
-            <a:endParaRPr lang="zh-CN" altLang="en-US" sz="2400" dirty="0">
-              <a:latin typeface="黑体" pitchFamily="49" charset="-122"/>
-              <a:ea typeface="黑体" pitchFamily="49" charset="-122"/>
-            </a:endParaRPr>
+              <a:t>研究计划和预期结果</a:t>
+            </a:r>
           </a:p>
         </p:txBody>
       </p:sp>
@@ -7155,13 +6836,6 @@
     <a:masterClrMapping/>
   </p:clrMapOvr>
   <p:transition spd="slow"/>
-  <p:timing>
-    <p:tnLst>
-      <p:par>
-        <p:cTn id="1" dur="indefinite" restart="never" nodeType="tmRoot"/>
-      </p:par>
-    </p:tnLst>
-  </p:timing>
 </p:sld>
 </file>
 
@@ -7242,51 +6916,51 @@
           <a:lstStyle/>
           <a:p>
             <a:r>
-              <a:rPr lang="zh-CN" altLang="en-US" sz="4000" dirty="0" smtClean="0">
+              <a:rPr lang="zh-CN" altLang="en-US" sz="4000" dirty="0">
                 <a:latin typeface="华文行楷" pitchFamily="2" charset="-122"/>
                 <a:ea typeface="华文行楷" pitchFamily="2" charset="-122"/>
               </a:rPr>
               <a:t>研究背景及意义</a:t>
             </a:r>
-            <a:endParaRPr lang="en-US" altLang="zh-CN" sz="4000" dirty="0" smtClean="0">
+            <a:endParaRPr lang="en-US" altLang="zh-CN" sz="4000" dirty="0">
               <a:latin typeface="华文行楷" pitchFamily="2" charset="-122"/>
               <a:ea typeface="华文行楷" pitchFamily="2" charset="-122"/>
             </a:endParaRPr>
           </a:p>
           <a:p>
             <a:r>
-              <a:rPr lang="zh-CN" altLang="en-US" sz="2400" dirty="0" smtClean="0">
+              <a:rPr lang="zh-CN" altLang="en-US" sz="2400" dirty="0">
                 <a:latin typeface="黑体" pitchFamily="49" charset="-122"/>
                 <a:ea typeface="黑体" pitchFamily="49" charset="-122"/>
               </a:rPr>
               <a:t>    国内外对动植物标本数据库的研究已经有了长足的发展。</a:t>
             </a:r>
-            <a:endParaRPr lang="en-US" altLang="zh-CN" sz="2400" dirty="0" smtClean="0">
+            <a:endParaRPr lang="en-US" altLang="zh-CN" sz="2400" dirty="0">
               <a:latin typeface="黑体" pitchFamily="49" charset="-122"/>
               <a:ea typeface="黑体" pitchFamily="49" charset="-122"/>
             </a:endParaRPr>
           </a:p>
           <a:p>
             <a:r>
-              <a:rPr lang="zh-CN" altLang="en-US" sz="2400" dirty="0" smtClean="0">
+              <a:rPr lang="zh-CN" altLang="en-US" sz="2400" dirty="0">
                 <a:latin typeface="黑体" pitchFamily="49" charset="-122"/>
                 <a:ea typeface="黑体" pitchFamily="49" charset="-122"/>
               </a:rPr>
               <a:t>    自动仓储系统也已投入使用多年，其中国内以中国电子科技集团公司第二研究所与沈飞物流装备公司的自动货柜产品为代表。</a:t>
             </a:r>
-            <a:endParaRPr lang="en-US" altLang="zh-CN" sz="2400" dirty="0" smtClean="0">
+            <a:endParaRPr lang="en-US" altLang="zh-CN" sz="2400" dirty="0">
               <a:latin typeface="黑体" pitchFamily="49" charset="-122"/>
               <a:ea typeface="黑体" pitchFamily="49" charset="-122"/>
             </a:endParaRPr>
           </a:p>
           <a:p>
-            <a:endParaRPr lang="en-US" altLang="zh-CN" sz="2400" dirty="0" smtClean="0">
+            <a:endParaRPr lang="en-US" altLang="zh-CN" sz="2400" dirty="0">
               <a:latin typeface="黑体" pitchFamily="49" charset="-122"/>
               <a:ea typeface="黑体" pitchFamily="49" charset="-122"/>
             </a:endParaRPr>
           </a:p>
           <a:p>
-            <a:endParaRPr lang="en-US" altLang="zh-CN" sz="2400" dirty="0" smtClean="0">
+            <a:endParaRPr lang="en-US" altLang="zh-CN" sz="2400" dirty="0">
               <a:latin typeface="黑体" pitchFamily="49" charset="-122"/>
               <a:ea typeface="黑体" pitchFamily="49" charset="-122"/>
             </a:endParaRPr>
@@ -7365,13 +7039,6 @@
     <a:masterClrMapping/>
   </p:clrMapOvr>
   <p:transition spd="slow"/>
-  <p:timing>
-    <p:tnLst>
-      <p:par>
-        <p:cTn id="1" dur="indefinite" restart="never" nodeType="tmRoot"/>
-      </p:par>
-    </p:tnLst>
-  </p:timing>
 </p:sld>
 </file>
 
@@ -7452,91 +7119,91 @@
           <a:lstStyle/>
           <a:p>
             <a:r>
-              <a:rPr lang="zh-CN" altLang="en-US" sz="4000" dirty="0" smtClean="0">
+              <a:rPr lang="zh-CN" altLang="en-US" sz="4000" dirty="0">
                 <a:latin typeface="华文行楷" pitchFamily="2" charset="-122"/>
                 <a:ea typeface="华文行楷" pitchFamily="2" charset="-122"/>
               </a:rPr>
               <a:t>研究背景及意义</a:t>
             </a:r>
-            <a:endParaRPr lang="en-US" altLang="zh-CN" sz="4000" dirty="0" smtClean="0">
+            <a:endParaRPr lang="en-US" altLang="zh-CN" sz="4000" dirty="0">
               <a:latin typeface="华文行楷" pitchFamily="2" charset="-122"/>
               <a:ea typeface="华文行楷" pitchFamily="2" charset="-122"/>
             </a:endParaRPr>
           </a:p>
           <a:p>
             <a:r>
-              <a:rPr lang="zh-CN" altLang="en-US" sz="2400" dirty="0" smtClean="0">
+              <a:rPr lang="zh-CN" altLang="en-US" sz="2400" dirty="0">
                 <a:latin typeface="黑体" pitchFamily="49" charset="-122"/>
                 <a:ea typeface="黑体" pitchFamily="49" charset="-122"/>
               </a:rPr>
               <a:t>    但是，将动植物标本库嵌入计算机软件，通过编写的软件与下位机（</a:t>
             </a:r>
             <a:r>
-              <a:rPr lang="en-US" altLang="zh-CN" sz="2400" dirty="0" smtClean="0">
+              <a:rPr lang="en-US" altLang="zh-CN" sz="2400" dirty="0">
                 <a:latin typeface="黑体" pitchFamily="49" charset="-122"/>
                 <a:ea typeface="黑体" pitchFamily="49" charset="-122"/>
               </a:rPr>
               <a:t>PLC</a:t>
             </a:r>
             <a:r>
-              <a:rPr lang="zh-CN" altLang="en-US" sz="2400" dirty="0" smtClean="0">
+              <a:rPr lang="zh-CN" altLang="en-US" sz="2400" dirty="0">
                 <a:latin typeface="黑体" pitchFamily="49" charset="-122"/>
                 <a:ea typeface="黑体" pitchFamily="49" charset="-122"/>
               </a:rPr>
               <a:t>）之间进行数据通讯进而控制机器人的运动，实现样本的全自动存放和取出。</a:t>
             </a:r>
-            <a:endParaRPr lang="en-US" altLang="zh-CN" sz="2400" dirty="0" smtClean="0">
+            <a:endParaRPr lang="en-US" altLang="zh-CN" sz="2400" dirty="0">
               <a:latin typeface="黑体" pitchFamily="49" charset="-122"/>
               <a:ea typeface="黑体" pitchFamily="49" charset="-122"/>
             </a:endParaRPr>
           </a:p>
           <a:p>
             <a:r>
-              <a:rPr lang="en-US" altLang="zh-CN" sz="2400" dirty="0" smtClean="0">
+              <a:rPr lang="en-US" altLang="zh-CN" sz="2400" dirty="0">
                 <a:latin typeface="黑体" pitchFamily="49" charset="-122"/>
                 <a:ea typeface="黑体" pitchFamily="49" charset="-122"/>
               </a:rPr>
               <a:t>    </a:t>
             </a:r>
             <a:r>
-              <a:rPr lang="zh-CN" altLang="en-US" sz="2400" dirty="0" smtClean="0">
+              <a:rPr lang="zh-CN" altLang="en-US" sz="2400" dirty="0">
                 <a:latin typeface="黑体" pitchFamily="49" charset="-122"/>
                 <a:ea typeface="黑体" pitchFamily="49" charset="-122"/>
               </a:rPr>
               <a:t>相关的研究工作在国内外都尚属于起步阶段。</a:t>
             </a:r>
-            <a:endParaRPr lang="en-US" altLang="zh-CN" sz="2400" dirty="0" smtClean="0">
+            <a:endParaRPr lang="en-US" altLang="zh-CN" sz="2400" dirty="0">
               <a:latin typeface="黑体" pitchFamily="49" charset="-122"/>
               <a:ea typeface="黑体" pitchFamily="49" charset="-122"/>
             </a:endParaRPr>
           </a:p>
           <a:p>
-            <a:endParaRPr lang="en-US" altLang="zh-CN" sz="2400" dirty="0" smtClean="0">
+            <a:endParaRPr lang="en-US" altLang="zh-CN" sz="2400" dirty="0">
               <a:latin typeface="黑体" pitchFamily="49" charset="-122"/>
               <a:ea typeface="黑体" pitchFamily="49" charset="-122"/>
             </a:endParaRPr>
           </a:p>
           <a:p>
             <a:r>
-              <a:rPr lang="zh-CN" altLang="en-US" sz="2400" dirty="0" smtClean="0">
+              <a:rPr lang="zh-CN" altLang="en-US" sz="2400" dirty="0">
                 <a:latin typeface="黑体" pitchFamily="49" charset="-122"/>
                 <a:ea typeface="黑体" pitchFamily="49" charset="-122"/>
               </a:rPr>
               <a:t>    </a:t>
             </a:r>
-            <a:endParaRPr lang="en-US" altLang="zh-CN" sz="2400" dirty="0" smtClean="0">
+            <a:endParaRPr lang="en-US" altLang="zh-CN" sz="2400" dirty="0">
               <a:latin typeface="黑体" pitchFamily="49" charset="-122"/>
               <a:ea typeface="黑体" pitchFamily="49" charset="-122"/>
             </a:endParaRPr>
           </a:p>
           <a:p>
-            <a:endParaRPr lang="en-US" altLang="zh-CN" sz="2400" dirty="0" smtClean="0">
+            <a:endParaRPr lang="en-US" altLang="zh-CN" sz="2400" dirty="0">
               <a:latin typeface="黑体" pitchFamily="49" charset="-122"/>
               <a:ea typeface="黑体" pitchFamily="49" charset="-122"/>
             </a:endParaRPr>
           </a:p>
           <a:p>
-            <a:endParaRPr lang="en-US" altLang="zh-CN" sz="2400" dirty="0" smtClean="0">
+            <a:endParaRPr lang="en-US" altLang="zh-CN" sz="2400" dirty="0">
               <a:latin typeface="黑体" pitchFamily="49" charset="-122"/>
               <a:ea typeface="黑体" pitchFamily="49" charset="-122"/>
             </a:endParaRPr>
@@ -7584,10 +7251,9 @@
           <a:p>
             <a:pPr algn="ctr"/>
             <a:r>
-              <a:rPr lang="zh-CN" altLang="en-US" dirty="0" smtClean="0"/>
+              <a:rPr lang="zh-CN" altLang="en-US" dirty="0"/>
               <a:t>提高仓储自动化水平</a:t>
             </a:r>
-            <a:endParaRPr lang="zh-CN" altLang="en-US" dirty="0"/>
           </a:p>
         </p:txBody>
       </p:sp>
@@ -7626,10 +7292,9 @@
           <a:p>
             <a:pPr algn="ctr"/>
             <a:r>
-              <a:rPr lang="zh-CN" altLang="en-US" dirty="0" smtClean="0"/>
+              <a:rPr lang="zh-CN" altLang="en-US" dirty="0"/>
               <a:t>填补国内空白</a:t>
             </a:r>
-            <a:endParaRPr lang="zh-CN" altLang="en-US" dirty="0"/>
           </a:p>
         </p:txBody>
       </p:sp>
@@ -7668,10 +7333,9 @@
           <a:p>
             <a:pPr algn="ctr"/>
             <a:r>
-              <a:rPr lang="zh-CN" altLang="en-US" dirty="0" smtClean="0"/>
+              <a:rPr lang="zh-CN" altLang="en-US" dirty="0"/>
               <a:t>潜在的经济效益</a:t>
             </a:r>
-            <a:endParaRPr lang="zh-CN" altLang="en-US" dirty="0"/>
           </a:p>
         </p:txBody>
       </p:sp>
@@ -7710,10 +7374,9 @@
           <a:p>
             <a:pPr algn="ctr"/>
             <a:r>
-              <a:rPr lang="zh-CN" altLang="en-US" dirty="0" smtClean="0"/>
+              <a:rPr lang="zh-CN" altLang="en-US" dirty="0"/>
               <a:t>意义</a:t>
             </a:r>
-            <a:endParaRPr lang="zh-CN" altLang="en-US" dirty="0"/>
           </a:p>
         </p:txBody>
       </p:sp>
@@ -7843,13 +7506,6 @@
     <a:masterClrMapping/>
   </p:clrMapOvr>
   <p:transition spd="slow"/>
-  <p:timing>
-    <p:tnLst>
-      <p:par>
-        <p:cTn id="1" dur="indefinite" restart="never" nodeType="tmRoot"/>
-      </p:par>
-    </p:tnLst>
-  </p:timing>
 </p:sld>
 </file>
 
@@ -7930,45 +7586,38 @@
           <a:lstStyle/>
           <a:p>
             <a:r>
-              <a:rPr lang="zh-CN" altLang="en-US" sz="4000" dirty="0" smtClean="0">
+              <a:rPr lang="zh-CN" altLang="en-US" sz="4000" dirty="0">
                 <a:latin typeface="华文行楷" pitchFamily="2" charset="-122"/>
                 <a:ea typeface="华文行楷" pitchFamily="2" charset="-122"/>
               </a:rPr>
-              <a:t>研究</a:t>
-            </a:r>
-            <a:r>
-              <a:rPr lang="zh-CN" altLang="en-US" sz="4000" dirty="0" smtClean="0">
-                <a:latin typeface="华文行楷" pitchFamily="2" charset="-122"/>
-                <a:ea typeface="华文行楷" pitchFamily="2" charset="-122"/>
-              </a:rPr>
-              <a:t>目标和内容</a:t>
-            </a:r>
-            <a:endParaRPr lang="en-US" altLang="zh-CN" sz="4000" dirty="0" smtClean="0">
+              <a:t>研究目标和内容</a:t>
+            </a:r>
+            <a:endParaRPr lang="en-US" altLang="zh-CN" sz="4000" dirty="0">
               <a:latin typeface="华文行楷" pitchFamily="2" charset="-122"/>
               <a:ea typeface="华文行楷" pitchFamily="2" charset="-122"/>
             </a:endParaRPr>
           </a:p>
           <a:p>
-            <a:endParaRPr lang="en-US" sz="2400" dirty="0" smtClean="0">
+            <a:endParaRPr lang="en-US" sz="2400" dirty="0">
               <a:latin typeface="黑体" pitchFamily="49" charset="-122"/>
               <a:ea typeface="黑体" pitchFamily="49" charset="-122"/>
             </a:endParaRPr>
           </a:p>
           <a:p>
             <a:r>
-              <a:rPr lang="zh-CN" altLang="en-US" sz="3200" dirty="0" smtClean="0">
+              <a:rPr lang="zh-CN" altLang="en-US" sz="3200" dirty="0">
                 <a:latin typeface="黑体" pitchFamily="49" charset="-122"/>
                 <a:ea typeface="黑体" pitchFamily="49" charset="-122"/>
               </a:rPr>
               <a:t>目标：</a:t>
             </a:r>
-            <a:endParaRPr lang="en-US" sz="3200" dirty="0" smtClean="0">
+            <a:endParaRPr lang="en-US" sz="3200" dirty="0">
               <a:latin typeface="黑体" pitchFamily="49" charset="-122"/>
               <a:ea typeface="黑体" pitchFamily="49" charset="-122"/>
             </a:endParaRPr>
           </a:p>
           <a:p>
-            <a:endParaRPr lang="en-US" sz="2400" dirty="0" smtClean="0">
+            <a:endParaRPr lang="en-US" sz="2400" dirty="0">
               <a:latin typeface="黑体" pitchFamily="49" charset="-122"/>
               <a:ea typeface="黑体" pitchFamily="49" charset="-122"/>
             </a:endParaRPr>
@@ -7980,28 +7629,28 @@
               </a:lnSpc>
             </a:pPr>
             <a:r>
-              <a:rPr lang="en-US" sz="2400" dirty="0" smtClean="0">
+              <a:rPr lang="en-US" sz="2400" dirty="0">
                 <a:latin typeface="黑体" pitchFamily="49" charset="-122"/>
                 <a:ea typeface="黑体" pitchFamily="49" charset="-122"/>
               </a:rPr>
               <a:t>1.</a:t>
             </a:r>
             <a:r>
-              <a:rPr lang="zh-CN" altLang="en-US" sz="2400" dirty="0" smtClean="0">
+              <a:rPr lang="zh-CN" altLang="en-US" sz="2400" dirty="0">
                 <a:latin typeface="黑体" pitchFamily="49" charset="-122"/>
                 <a:ea typeface="黑体" pitchFamily="49" charset="-122"/>
               </a:rPr>
               <a:t>建立控制系统，包括上位机控制软件的编写和</a:t>
             </a:r>
             <a:r>
-              <a:rPr lang="en-US" sz="2400" dirty="0" smtClean="0">
+              <a:rPr lang="en-US" sz="2400" dirty="0">
                 <a:latin typeface="黑体" pitchFamily="49" charset="-122"/>
                 <a:ea typeface="黑体" pitchFamily="49" charset="-122"/>
               </a:rPr>
               <a:t>PLC</a:t>
             </a:r>
             <a:r>
-              <a:rPr lang="zh-CN" altLang="en-US" sz="2400" dirty="0" smtClean="0">
+              <a:rPr lang="zh-CN" altLang="en-US" sz="2400" dirty="0">
                 <a:latin typeface="黑体" pitchFamily="49" charset="-122"/>
                 <a:ea typeface="黑体" pitchFamily="49" charset="-122"/>
               </a:rPr>
@@ -8015,14 +7664,14 @@
               </a:lnSpc>
             </a:pPr>
             <a:r>
-              <a:rPr lang="en-US" sz="2400" dirty="0" smtClean="0">
+              <a:rPr lang="en-US" sz="2400" dirty="0">
                 <a:latin typeface="黑体" pitchFamily="49" charset="-122"/>
                 <a:ea typeface="黑体" pitchFamily="49" charset="-122"/>
               </a:rPr>
               <a:t>2.</a:t>
             </a:r>
             <a:r>
-              <a:rPr lang="zh-CN" altLang="en-US" sz="2400" dirty="0" smtClean="0">
+              <a:rPr lang="zh-CN" altLang="en-US" sz="2400" dirty="0">
                 <a:latin typeface="黑体" pitchFamily="49" charset="-122"/>
                 <a:ea typeface="黑体" pitchFamily="49" charset="-122"/>
               </a:rPr>
@@ -8030,45 +7679,45 @@
             </a:r>
           </a:p>
           <a:p>
-            <a:endParaRPr lang="en-US" altLang="zh-CN" sz="4000" dirty="0" smtClean="0">
+            <a:endParaRPr lang="en-US" altLang="zh-CN" sz="4000" dirty="0">
               <a:latin typeface="华文行楷" pitchFamily="2" charset="-122"/>
               <a:ea typeface="华文行楷" pitchFamily="2" charset="-122"/>
             </a:endParaRPr>
           </a:p>
           <a:p>
             <a:r>
-              <a:rPr lang="zh-CN" altLang="en-US" sz="2400" dirty="0" smtClean="0">
+              <a:rPr lang="zh-CN" altLang="en-US" sz="2400" dirty="0">
                 <a:latin typeface="黑体" pitchFamily="49" charset="-122"/>
                 <a:ea typeface="黑体" pitchFamily="49" charset="-122"/>
               </a:rPr>
               <a:t>    </a:t>
             </a:r>
-            <a:endParaRPr lang="en-US" altLang="zh-CN" sz="2400" dirty="0" smtClean="0">
+            <a:endParaRPr lang="en-US" altLang="zh-CN" sz="2400" dirty="0">
               <a:latin typeface="黑体" pitchFamily="49" charset="-122"/>
               <a:ea typeface="黑体" pitchFamily="49" charset="-122"/>
             </a:endParaRPr>
           </a:p>
           <a:p>
             <a:r>
-              <a:rPr lang="zh-CN" altLang="en-US" sz="2400" dirty="0" smtClean="0">
+              <a:rPr lang="zh-CN" altLang="en-US" sz="2400" dirty="0">
                 <a:latin typeface="黑体" pitchFamily="49" charset="-122"/>
                 <a:ea typeface="黑体" pitchFamily="49" charset="-122"/>
               </a:rPr>
               <a:t>    </a:t>
             </a:r>
-            <a:endParaRPr lang="en-US" altLang="zh-CN" sz="2400" dirty="0" smtClean="0">
+            <a:endParaRPr lang="en-US" altLang="zh-CN" sz="2400" dirty="0">
               <a:latin typeface="黑体" pitchFamily="49" charset="-122"/>
               <a:ea typeface="黑体" pitchFamily="49" charset="-122"/>
             </a:endParaRPr>
           </a:p>
           <a:p>
-            <a:endParaRPr lang="en-US" altLang="zh-CN" sz="2400" dirty="0" smtClean="0">
+            <a:endParaRPr lang="en-US" altLang="zh-CN" sz="2400" dirty="0">
               <a:latin typeface="黑体" pitchFamily="49" charset="-122"/>
               <a:ea typeface="黑体" pitchFamily="49" charset="-122"/>
             </a:endParaRPr>
           </a:p>
           <a:p>
-            <a:endParaRPr lang="en-US" altLang="zh-CN" sz="2400" dirty="0" smtClean="0">
+            <a:endParaRPr lang="en-US" altLang="zh-CN" sz="2400" dirty="0">
               <a:latin typeface="黑体" pitchFamily="49" charset="-122"/>
               <a:ea typeface="黑体" pitchFamily="49" charset="-122"/>
             </a:endParaRPr>
@@ -8087,13 +7736,6 @@
     <a:masterClrMapping/>
   </p:clrMapOvr>
   <p:transition spd="slow"/>
-  <p:timing>
-    <p:tnLst>
-      <p:par>
-        <p:cTn id="1" dur="indefinite" restart="never" nodeType="tmRoot"/>
-      </p:par>
-    </p:tnLst>
-  </p:timing>
 </p:sld>
 </file>
 
@@ -8174,51 +7816,51 @@
           <a:lstStyle/>
           <a:p>
             <a:r>
-              <a:rPr lang="zh-CN" altLang="en-US" sz="4000" dirty="0" smtClean="0">
+              <a:rPr lang="zh-CN" altLang="en-US" sz="4000" dirty="0">
                 <a:latin typeface="华文行楷" pitchFamily="2" charset="-122"/>
                 <a:ea typeface="华文行楷" pitchFamily="2" charset="-122"/>
               </a:rPr>
               <a:t>研究内容</a:t>
             </a:r>
-            <a:endParaRPr lang="en-US" altLang="zh-CN" sz="4000" dirty="0" smtClean="0">
+            <a:endParaRPr lang="en-US" altLang="zh-CN" sz="4000" dirty="0">
               <a:latin typeface="华文行楷" pitchFamily="2" charset="-122"/>
               <a:ea typeface="华文行楷" pitchFamily="2" charset="-122"/>
             </a:endParaRPr>
           </a:p>
           <a:p>
             <a:r>
-              <a:rPr lang="zh-CN" altLang="en-US" sz="2400" dirty="0" smtClean="0">
+              <a:rPr lang="zh-CN" altLang="en-US" sz="2400" dirty="0">
                 <a:latin typeface="黑体" pitchFamily="49" charset="-122"/>
                 <a:ea typeface="黑体" pitchFamily="49" charset="-122"/>
               </a:rPr>
               <a:t>    </a:t>
             </a:r>
-            <a:endParaRPr lang="en-US" altLang="zh-CN" sz="2400" dirty="0" smtClean="0">
+            <a:endParaRPr lang="en-US" altLang="zh-CN" sz="2400" dirty="0">
               <a:latin typeface="黑体" pitchFamily="49" charset="-122"/>
               <a:ea typeface="黑体" pitchFamily="49" charset="-122"/>
             </a:endParaRPr>
           </a:p>
           <a:p>
             <a:r>
-              <a:rPr lang="zh-CN" altLang="en-US" sz="2400" dirty="0" smtClean="0">
+              <a:rPr lang="zh-CN" altLang="en-US" sz="2400" dirty="0">
                 <a:latin typeface="黑体" pitchFamily="49" charset="-122"/>
                 <a:ea typeface="黑体" pitchFamily="49" charset="-122"/>
               </a:rPr>
               <a:t>    </a:t>
             </a:r>
-            <a:endParaRPr lang="en-US" altLang="zh-CN" sz="2400" dirty="0" smtClean="0">
+            <a:endParaRPr lang="en-US" altLang="zh-CN" sz="2400" dirty="0">
               <a:latin typeface="黑体" pitchFamily="49" charset="-122"/>
               <a:ea typeface="黑体" pitchFamily="49" charset="-122"/>
             </a:endParaRPr>
           </a:p>
           <a:p>
-            <a:endParaRPr lang="en-US" altLang="zh-CN" sz="2400" dirty="0" smtClean="0">
+            <a:endParaRPr lang="en-US" altLang="zh-CN" sz="2400" dirty="0">
               <a:latin typeface="黑体" pitchFamily="49" charset="-122"/>
               <a:ea typeface="黑体" pitchFamily="49" charset="-122"/>
             </a:endParaRPr>
           </a:p>
           <a:p>
-            <a:endParaRPr lang="en-US" altLang="zh-CN" sz="2400" dirty="0" smtClean="0">
+            <a:endParaRPr lang="en-US" altLang="zh-CN" sz="2400" dirty="0">
               <a:latin typeface="黑体" pitchFamily="49" charset="-122"/>
               <a:ea typeface="黑体" pitchFamily="49" charset="-122"/>
             </a:endParaRPr>
@@ -8266,10 +7908,9 @@
           <a:p>
             <a:pPr algn="ctr"/>
             <a:r>
-              <a:rPr lang="zh-CN" altLang="en-US" dirty="0" smtClean="0"/>
+              <a:rPr lang="zh-CN" altLang="en-US" dirty="0"/>
               <a:t>上位机软件的编写</a:t>
             </a:r>
-            <a:endParaRPr lang="zh-CN" altLang="en-US" dirty="0"/>
           </a:p>
         </p:txBody>
       </p:sp>
@@ -8346,7 +7987,7 @@
           <a:p>
             <a:pPr algn="ctr"/>
             <a:r>
-              <a:rPr lang="en-US" altLang="zh-CN" dirty="0" smtClean="0">
+              <a:rPr lang="en-US" altLang="zh-CN" dirty="0">
                 <a:latin typeface="Times New Roman" pitchFamily="18" charset="0"/>
                 <a:cs typeface="Times New Roman" pitchFamily="18" charset="0"/>
               </a:rPr>
@@ -8394,7 +8035,7 @@
           <a:p>
             <a:pPr algn="ctr"/>
             <a:r>
-              <a:rPr lang="en-US" altLang="zh-CN" dirty="0" smtClean="0"/>
+              <a:rPr lang="en-US" altLang="zh-CN" dirty="0"/>
               <a:t>Access</a:t>
             </a:r>
             <a:endParaRPr lang="zh-CN" altLang="en-US" dirty="0"/>
@@ -8436,16 +8077,12 @@
           <a:p>
             <a:pPr algn="ctr"/>
             <a:r>
-              <a:rPr lang="zh-CN" altLang="en-US" dirty="0" smtClean="0">
+              <a:rPr lang="zh-CN" altLang="en-US" dirty="0">
                 <a:latin typeface="Times New Roman" pitchFamily="18" charset="0"/>
                 <a:cs typeface="Times New Roman" pitchFamily="18" charset="0"/>
               </a:rPr>
               <a:t>实现运动过程可视化</a:t>
             </a:r>
-            <a:endParaRPr lang="zh-CN" altLang="en-US" dirty="0">
-              <a:latin typeface="Times New Roman" pitchFamily="18" charset="0"/>
-              <a:cs typeface="Times New Roman" pitchFamily="18" charset="0"/>
-            </a:endParaRPr>
           </a:p>
         </p:txBody>
       </p:sp>
@@ -8484,7 +8121,7 @@
           <a:p>
             <a:pPr algn="ctr"/>
             <a:r>
-              <a:rPr lang="en-US" altLang="zh-CN" dirty="0" smtClean="0">
+              <a:rPr lang="en-US" altLang="zh-CN" dirty="0">
                 <a:latin typeface="Times New Roman" pitchFamily="18" charset="0"/>
                 <a:cs typeface="Times New Roman" pitchFamily="18" charset="0"/>
               </a:rPr>
@@ -8532,13 +8169,13 @@
           <a:p>
             <a:pPr algn="ctr"/>
             <a:r>
-              <a:rPr lang="zh-CN" altLang="en-US" dirty="0" smtClean="0">
+              <a:rPr lang="zh-CN" altLang="en-US" dirty="0">
                 <a:latin typeface="Times New Roman" pitchFamily="18" charset="0"/>
                 <a:cs typeface="Times New Roman" pitchFamily="18" charset="0"/>
               </a:rPr>
               <a:t>步进电机</a:t>
             </a:r>
-            <a:endParaRPr lang="en-US" altLang="zh-CN" dirty="0" smtClean="0">
+            <a:endParaRPr lang="en-US" altLang="zh-CN" dirty="0">
               <a:latin typeface="Times New Roman" pitchFamily="18" charset="0"/>
               <a:cs typeface="Times New Roman" pitchFamily="18" charset="0"/>
             </a:endParaRPr>
@@ -8546,16 +8183,12 @@
           <a:p>
             <a:pPr algn="ctr"/>
             <a:r>
-              <a:rPr lang="zh-CN" altLang="en-US" dirty="0" smtClean="0">
+              <a:rPr lang="zh-CN" altLang="en-US" dirty="0">
                 <a:latin typeface="Times New Roman" pitchFamily="18" charset="0"/>
                 <a:cs typeface="Times New Roman" pitchFamily="18" charset="0"/>
               </a:rPr>
               <a:t>驱动器</a:t>
             </a:r>
-            <a:endParaRPr lang="zh-CN" altLang="en-US" dirty="0">
-              <a:latin typeface="Times New Roman" pitchFamily="18" charset="0"/>
-              <a:cs typeface="Times New Roman" pitchFamily="18" charset="0"/>
-            </a:endParaRPr>
           </a:p>
         </p:txBody>
       </p:sp>
@@ -8594,16 +8227,12 @@
           <a:p>
             <a:pPr algn="ctr"/>
             <a:r>
-              <a:rPr lang="zh-CN" altLang="en-US" dirty="0" smtClean="0">
+              <a:rPr lang="zh-CN" altLang="en-US" dirty="0">
                 <a:latin typeface="Times New Roman" pitchFamily="18" charset="0"/>
                 <a:cs typeface="Times New Roman" pitchFamily="18" charset="0"/>
               </a:rPr>
               <a:t>步进电机</a:t>
             </a:r>
-            <a:endParaRPr lang="zh-CN" altLang="en-US" dirty="0">
-              <a:latin typeface="Times New Roman" pitchFamily="18" charset="0"/>
-              <a:cs typeface="Times New Roman" pitchFamily="18" charset="0"/>
-            </a:endParaRPr>
           </a:p>
         </p:txBody>
       </p:sp>
@@ -8669,18 +8298,17 @@
           <a:p>
             <a:pPr algn="ctr"/>
             <a:r>
-              <a:rPr lang="zh-CN" altLang="en-US" dirty="0" smtClean="0"/>
+              <a:rPr lang="zh-CN" altLang="en-US" dirty="0"/>
               <a:t>利用</a:t>
             </a:r>
             <a:r>
-              <a:rPr lang="en-US" altLang="zh-CN" dirty="0" smtClean="0"/>
+              <a:rPr lang="en-US" altLang="zh-CN" dirty="0"/>
               <a:t>ADO      </a:t>
             </a:r>
             <a:r>
-              <a:rPr lang="zh-CN" altLang="en-US" dirty="0" smtClean="0"/>
+              <a:rPr lang="zh-CN" altLang="en-US" dirty="0"/>
               <a:t>调用数据库</a:t>
             </a:r>
-            <a:endParaRPr lang="zh-CN" altLang="en-US" dirty="0"/>
           </a:p>
         </p:txBody>
       </p:sp>
@@ -8783,10 +8411,9 @@
           <a:lstStyle/>
           <a:p>
             <a:r>
-              <a:rPr lang="zh-CN" altLang="en-US" dirty="0" smtClean="0"/>
+              <a:rPr lang="zh-CN" altLang="en-US" dirty="0"/>
               <a:t>串口通信</a:t>
             </a:r>
-            <a:endParaRPr lang="zh-CN" altLang="en-US" dirty="0"/>
           </a:p>
         </p:txBody>
       </p:sp>
@@ -8872,13 +8499,6 @@
     <a:masterClrMapping/>
   </p:clrMapOvr>
   <p:transition spd="slow"/>
-  <p:timing>
-    <p:tnLst>
-      <p:par>
-        <p:cTn id="1" dur="indefinite" restart="never" nodeType="tmRoot"/>
-      </p:par>
-    </p:tnLst>
-  </p:timing>
 </p:sld>
 </file>
 
@@ -8959,27 +8579,16 @@
           <a:lstStyle/>
           <a:p>
             <a:r>
-              <a:rPr lang="en-US" altLang="zh-CN" sz="3600" b="1" dirty="0" smtClean="0"/>
+              <a:rPr lang="en-US" altLang="zh-CN" sz="3600" b="1" dirty="0"/>
               <a:t> </a:t>
             </a:r>
             <a:r>
-              <a:rPr lang="zh-CN" altLang="en-US" sz="4000" dirty="0" smtClean="0">
+              <a:rPr lang="zh-CN" altLang="en-US" sz="4000" dirty="0">
                 <a:latin typeface="华文行楷" pitchFamily="2" charset="-122"/>
                 <a:ea typeface="华文行楷" pitchFamily="2" charset="-122"/>
               </a:rPr>
-              <a:t>关键</a:t>
-            </a:r>
-            <a:r>
-              <a:rPr lang="zh-CN" altLang="en-US" sz="4000" dirty="0" smtClean="0">
-                <a:latin typeface="华文行楷" pitchFamily="2" charset="-122"/>
-                <a:ea typeface="华文行楷" pitchFamily="2" charset="-122"/>
-              </a:rPr>
-              <a:t>问题</a:t>
-            </a:r>
-            <a:endParaRPr lang="zh-CN" altLang="en-US" sz="4000" dirty="0">
-              <a:latin typeface="华文行楷" pitchFamily="2" charset="-122"/>
-              <a:ea typeface="华文行楷" pitchFamily="2" charset="-122"/>
-            </a:endParaRPr>
+              <a:t>关键问题</a:t>
+            </a:r>
           </a:p>
         </p:txBody>
       </p:sp>
@@ -9011,21 +8620,21 @@
               </a:lnSpc>
             </a:pPr>
             <a:r>
-              <a:rPr lang="en-US" sz="2400" dirty="0" smtClean="0">
+              <a:rPr lang="en-US" sz="2400" dirty="0">
                 <a:latin typeface="黑体" pitchFamily="49" charset="-122"/>
                 <a:ea typeface="黑体" pitchFamily="49" charset="-122"/>
               </a:rPr>
               <a:t>1.</a:t>
             </a:r>
             <a:r>
-              <a:rPr lang="zh-CN" altLang="en-US" sz="2400" dirty="0" smtClean="0">
+              <a:rPr lang="zh-CN" altLang="en-US" sz="2400" dirty="0">
                 <a:latin typeface="黑体" pitchFamily="49" charset="-122"/>
                 <a:ea typeface="黑体" pitchFamily="49" charset="-122"/>
               </a:rPr>
               <a:t>基于</a:t>
             </a:r>
             <a:r>
-              <a:rPr lang="en-US" altLang="zh-CN" sz="2400" dirty="0" smtClean="0">
+              <a:rPr lang="en-US" altLang="zh-CN" sz="2400" dirty="0">
                 <a:latin typeface="Times New Roman" pitchFamily="18" charset="0"/>
                 <a:ea typeface="黑体" pitchFamily="49" charset="-122"/>
                 <a:cs typeface="Times New Roman" pitchFamily="18" charset="0"/>
@@ -9033,18 +8642,13 @@
               <a:t>LabWIEW</a:t>
             </a:r>
             <a:r>
-              <a:rPr lang="zh-CN" altLang="en-US" sz="2400" dirty="0" smtClean="0">
+              <a:rPr lang="zh-CN" altLang="en-US" sz="2400" dirty="0">
                 <a:latin typeface="Times New Roman" pitchFamily="18" charset="0"/>
                 <a:ea typeface="黑体" pitchFamily="49" charset="-122"/>
                 <a:cs typeface="Times New Roman" pitchFamily="18" charset="0"/>
               </a:rPr>
               <a:t>实现标本库数据库的建立和管理、人机交互、标本取放自动控制。</a:t>
             </a:r>
-            <a:endParaRPr lang="zh-CN" altLang="en-US" sz="2400" dirty="0" smtClean="0">
-              <a:latin typeface="Times New Roman" pitchFamily="18" charset="0"/>
-              <a:ea typeface="黑体" pitchFamily="49" charset="-122"/>
-              <a:cs typeface="Times New Roman" pitchFamily="18" charset="0"/>
-            </a:endParaRPr>
           </a:p>
           <a:p>
             <a:pPr>
@@ -9053,21 +8657,21 @@
               </a:lnSpc>
             </a:pPr>
             <a:r>
-              <a:rPr lang="en-US" sz="2400" dirty="0" smtClean="0">
+              <a:rPr lang="en-US" sz="2400" dirty="0">
                 <a:latin typeface="黑体" pitchFamily="49" charset="-122"/>
                 <a:ea typeface="黑体" pitchFamily="49" charset="-122"/>
               </a:rPr>
               <a:t>2.</a:t>
             </a:r>
             <a:r>
-              <a:rPr lang="zh-CN" altLang="en-US" sz="2400" dirty="0" smtClean="0">
+              <a:rPr lang="zh-CN" altLang="en-US" sz="2400" dirty="0">
                 <a:latin typeface="黑体" pitchFamily="49" charset="-122"/>
                 <a:ea typeface="黑体" pitchFamily="49" charset="-122"/>
               </a:rPr>
               <a:t>基于</a:t>
             </a:r>
             <a:r>
-              <a:rPr lang="en-US" altLang="zh-CN" sz="2400" dirty="0" smtClean="0">
+              <a:rPr lang="en-US" altLang="zh-CN" sz="2400" dirty="0">
                 <a:latin typeface="Times New Roman" pitchFamily="18" charset="0"/>
                 <a:ea typeface="黑体" pitchFamily="49" charset="-122"/>
                 <a:cs typeface="Times New Roman" pitchFamily="18" charset="0"/>
@@ -9075,7 +8679,7 @@
               <a:t>PLC</a:t>
             </a:r>
             <a:r>
-              <a:rPr lang="zh-CN" altLang="en-US" sz="2400" dirty="0" smtClean="0">
+              <a:rPr lang="zh-CN" altLang="en-US" sz="2400" dirty="0">
                 <a:latin typeface="Times New Roman" pitchFamily="18" charset="0"/>
                 <a:ea typeface="黑体" pitchFamily="49" charset="-122"/>
                 <a:cs typeface="Times New Roman" pitchFamily="18" charset="0"/>
@@ -9083,16 +8687,12 @@
               <a:t>实现机器人各自由度的速度、加速度控制</a:t>
             </a:r>
             <a:r>
-              <a:rPr lang="zh-CN" altLang="en-US" sz="2400" dirty="0" smtClean="0">
+              <a:rPr lang="zh-CN" altLang="en-US" sz="2400" dirty="0">
                 <a:latin typeface="黑体" pitchFamily="49" charset="-122"/>
                 <a:ea typeface="黑体" pitchFamily="49" charset="-122"/>
               </a:rPr>
               <a:t>。</a:t>
             </a:r>
-            <a:endParaRPr lang="zh-CN" altLang="en-US" sz="2400" dirty="0" smtClean="0">
-              <a:latin typeface="黑体" pitchFamily="49" charset="-122"/>
-              <a:ea typeface="黑体" pitchFamily="49" charset="-122"/>
-            </a:endParaRPr>
           </a:p>
           <a:p>
             <a:endParaRPr lang="zh-CN" altLang="en-US" dirty="0"/>
@@ -9105,13 +8705,6 @@
     <a:masterClrMapping/>
   </p:clrMapOvr>
   <p:transition spd="slow"/>
-  <p:timing>
-    <p:tnLst>
-      <p:par>
-        <p:cTn id="1" dur="indefinite" restart="never" nodeType="tmRoot"/>
-      </p:par>
-    </p:tnLst>
-  </p:timing>
 </p:sld>
 </file>
 
@@ -9192,20 +8785,16 @@
           <a:lstStyle/>
           <a:p>
             <a:r>
-              <a:rPr lang="en-US" altLang="zh-CN" sz="3600" b="1" dirty="0" smtClean="0"/>
+              <a:rPr lang="en-US" altLang="zh-CN" sz="3600" b="1" dirty="0"/>
               <a:t> </a:t>
             </a:r>
             <a:r>
-              <a:rPr lang="zh-CN" altLang="en-US" sz="4000" dirty="0" smtClean="0">
+              <a:rPr lang="zh-CN" altLang="en-US" sz="4000" dirty="0">
                 <a:latin typeface="华文行楷" pitchFamily="2" charset="-122"/>
                 <a:ea typeface="华文行楷" pitchFamily="2" charset="-122"/>
               </a:rPr>
               <a:t>技术路线</a:t>
             </a:r>
-            <a:endParaRPr lang="zh-CN" altLang="en-US" sz="4000" dirty="0">
-              <a:latin typeface="华文行楷" pitchFamily="2" charset="-122"/>
-              <a:ea typeface="华文行楷" pitchFamily="2" charset="-122"/>
-            </a:endParaRPr>
           </a:p>
         </p:txBody>
       </p:sp>
@@ -9239,13 +8828,6 @@
     <a:masterClrMapping/>
   </p:clrMapOvr>
   <p:transition spd="slow"/>
-  <p:timing>
-    <p:tnLst>
-      <p:par>
-        <p:cTn id="1" dur="indefinite" restart="never" nodeType="tmRoot"/>
-      </p:par>
-    </p:tnLst>
-  </p:timing>
 </p:sld>
 </file>
 
@@ -9289,20 +8871,16 @@
           <a:lstStyle/>
           <a:p>
             <a:r>
-              <a:rPr lang="en-US" altLang="zh-CN" sz="3600" b="1" dirty="0" smtClean="0"/>
+              <a:rPr lang="en-US" altLang="zh-CN" sz="3600" b="1" dirty="0"/>
               <a:t> </a:t>
             </a:r>
             <a:r>
-              <a:rPr lang="zh-CN" altLang="en-US" sz="4000" dirty="0" smtClean="0">
+              <a:rPr lang="zh-CN" altLang="en-US" sz="4000" dirty="0">
                 <a:latin typeface="华文行楷" pitchFamily="2" charset="-122"/>
                 <a:ea typeface="华文行楷" pitchFamily="2" charset="-122"/>
               </a:rPr>
               <a:t>可行性分析</a:t>
             </a:r>
-            <a:endParaRPr lang="zh-CN" altLang="en-US" sz="4000" dirty="0">
-              <a:latin typeface="华文行楷" pitchFamily="2" charset="-122"/>
-              <a:ea typeface="华文行楷" pitchFamily="2" charset="-122"/>
-            </a:endParaRPr>
           </a:p>
         </p:txBody>
       </p:sp>
@@ -9334,60 +8912,53 @@
               </a:lnSpc>
             </a:pPr>
             <a:r>
-              <a:rPr lang="zh-CN" altLang="en-US" dirty="0" smtClean="0"/>
+              <a:rPr lang="zh-CN" altLang="en-US" dirty="0"/>
               <a:t>             </a:t>
             </a:r>
             <a:r>
-              <a:rPr lang="zh-CN" altLang="en-US" sz="2400" dirty="0" smtClean="0">
+              <a:rPr lang="zh-CN" altLang="en-US" sz="2400" dirty="0">
                 <a:latin typeface="黑体" pitchFamily="49" charset="-122"/>
                 <a:ea typeface="黑体" pitchFamily="49" charset="-122"/>
               </a:rPr>
-              <a:t>从</a:t>
-            </a:r>
-            <a:r>
-              <a:rPr lang="zh-CN" altLang="en-US" sz="2400" dirty="0" smtClean="0">
+              <a:t>从现有文献分析，有将计算机和</a:t>
+            </a:r>
+            <a:r>
+              <a:rPr lang="en-US" sz="2400" dirty="0">
                 <a:latin typeface="黑体" pitchFamily="49" charset="-122"/>
                 <a:ea typeface="黑体" pitchFamily="49" charset="-122"/>
               </a:rPr>
-              <a:t>现有文献分析，有将计算机和</a:t>
-            </a:r>
-            <a:r>
-              <a:rPr lang="en-US" sz="2400" dirty="0" smtClean="0">
+              <a:t>PLC</a:t>
+            </a:r>
+            <a:r>
+              <a:rPr lang="zh-CN" altLang="en-US" sz="2400" dirty="0">
                 <a:latin typeface="黑体" pitchFamily="49" charset="-122"/>
                 <a:ea typeface="黑体" pitchFamily="49" charset="-122"/>
               </a:rPr>
-              <a:t>PLC</a:t>
-            </a:r>
-            <a:r>
-              <a:rPr lang="zh-CN" altLang="en-US" sz="2400" dirty="0" smtClean="0">
+              <a:t>用于机器人控制的先例。计算机现在已经相当普及，同时作为人机交互工具，也被广泛的应用。</a:t>
+            </a:r>
+            <a:r>
+              <a:rPr lang="en-US" sz="2400" dirty="0">
                 <a:latin typeface="黑体" pitchFamily="49" charset="-122"/>
                 <a:ea typeface="黑体" pitchFamily="49" charset="-122"/>
               </a:rPr>
-              <a:t>用于机器人控制的先例。计算机现在已经相当普及，同时作为人机交互工具，也被广泛的应用。</a:t>
-            </a:r>
-            <a:r>
-              <a:rPr lang="en-US" sz="2400" dirty="0" smtClean="0">
+              <a:t>PLC</a:t>
+            </a:r>
+            <a:r>
+              <a:rPr lang="zh-CN" altLang="en-US" sz="2400" dirty="0">
                 <a:latin typeface="黑体" pitchFamily="49" charset="-122"/>
                 <a:ea typeface="黑体" pitchFamily="49" charset="-122"/>
               </a:rPr>
-              <a:t>PLC</a:t>
-            </a:r>
-            <a:r>
-              <a:rPr lang="zh-CN" altLang="en-US" sz="2400" dirty="0" smtClean="0">
+              <a:t>作为机器人运动控制器也有很多应用。从技术角度来看，利用计算机和</a:t>
+            </a:r>
+            <a:r>
+              <a:rPr lang="en-US" sz="2400" dirty="0">
                 <a:latin typeface="黑体" pitchFamily="49" charset="-122"/>
                 <a:ea typeface="黑体" pitchFamily="49" charset="-122"/>
               </a:rPr>
-              <a:t>作为机器人运动控制器也有很多应用。从技术角度来看，利用计算机和</a:t>
-            </a:r>
-            <a:r>
-              <a:rPr lang="en-US" sz="2400" dirty="0" smtClean="0">
-                <a:latin typeface="黑体" pitchFamily="49" charset="-122"/>
-                <a:ea typeface="黑体" pitchFamily="49" charset="-122"/>
-              </a:rPr>
               <a:t>PLC</a:t>
             </a:r>
             <a:r>
-              <a:rPr lang="zh-CN" altLang="en-US" sz="2400" dirty="0" smtClean="0">
+              <a:rPr lang="zh-CN" altLang="en-US" sz="2400" dirty="0">
                 <a:latin typeface="黑体" pitchFamily="49" charset="-122"/>
                 <a:ea typeface="黑体" pitchFamily="49" charset="-122"/>
               </a:rPr>
@@ -9402,7 +8973,7 @@
     </p:spTree>
     <p:extLst>
       <p:ext uri="{BB962C8B-B14F-4D97-AF65-F5344CB8AC3E}">
-        <p14:creationId xmlns="" xmlns:p14="http://schemas.microsoft.com/office/powerpoint/2010/main" val="349378917"/>
+        <p14:creationId xmlns:p14="http://schemas.microsoft.com/office/powerpoint/2010/main" val="349378917"/>
       </p:ext>
     </p:extLst>
   </p:cSld>
@@ -9410,13 +8981,6 @@
     <a:masterClrMapping/>
   </p:clrMapOvr>
   <p:transition spd="slow"/>
-  <p:timing>
-    <p:tnLst>
-      <p:par>
-        <p:cTn id="1" dur="indefinite" restart="never" nodeType="tmRoot"/>
-      </p:par>
-    </p:tnLst>
-  </p:timing>
 </p:sld>
 </file>
 
